--- a/slides/TP557_13.pptx
+++ b/slides/TP557_13.pptx
@@ -5,18 +5,27 @@
     <p:sldMasterId id="2147483648" r:id="rId1"/>
   </p:sldMasterIdLst>
   <p:notesMasterIdLst>
-    <p:notesMasterId r:id="rId8"/>
+    <p:notesMasterId r:id="rId17"/>
   </p:notesMasterIdLst>
   <p:handoutMasterIdLst>
-    <p:handoutMasterId r:id="rId9"/>
+    <p:handoutMasterId r:id="rId18"/>
   </p:handoutMasterIdLst>
   <p:sldIdLst>
     <p:sldId id="256" r:id="rId2"/>
     <p:sldId id="406" r:id="rId3"/>
-    <p:sldId id="426" r:id="rId4"/>
-    <p:sldId id="405" r:id="rId5"/>
-    <p:sldId id="293" r:id="rId6"/>
-    <p:sldId id="306" r:id="rId7"/>
+    <p:sldId id="427" r:id="rId4"/>
+    <p:sldId id="430" r:id="rId5"/>
+    <p:sldId id="428" r:id="rId6"/>
+    <p:sldId id="434" r:id="rId7"/>
+    <p:sldId id="435" r:id="rId8"/>
+    <p:sldId id="431" r:id="rId9"/>
+    <p:sldId id="433" r:id="rId10"/>
+    <p:sldId id="429" r:id="rId11"/>
+    <p:sldId id="432" r:id="rId12"/>
+    <p:sldId id="426" r:id="rId13"/>
+    <p:sldId id="405" r:id="rId14"/>
+    <p:sldId id="293" r:id="rId15"/>
+    <p:sldId id="306" r:id="rId16"/>
   </p:sldIdLst>
   <p:sldSz cx="12192000" cy="6858000"/>
   <p:notesSz cx="7315200" cy="9601200"/>
@@ -280,7 +289,7 @@
           <a:p>
             <a:fld id="{144F1436-6906-4D93-B7A2-786C327BFA14}" type="datetimeFigureOut">
               <a:rPr lang="nl-BE" smtClean="0"/>
-              <a:t>9/09/2023</a:t>
+              <a:t>12/09/2023</a:t>
             </a:fld>
             <a:endParaRPr lang="nl-BE"/>
           </a:p>
@@ -445,7 +454,7 @@
           <a:p>
             <a:fld id="{AA8CD09E-2914-4F47-B6C1-51B2C31814C9}" type="datetimeFigureOut">
               <a:rPr lang="pt-BR" smtClean="0"/>
-              <a:t>09/09/2023</a:t>
+              <a:t>12/09/2023</a:t>
             </a:fld>
             <a:endParaRPr lang="pt-BR"/>
           </a:p>
@@ -840,68 +849,6 @@
           <a:bodyPr/>
           <a:lstStyle/>
           <a:p>
-            <a:r>
-              <a:rPr lang="pt-BR" b="0" i="0" dirty="0">
-                <a:solidFill>
-                  <a:srgbClr val="374151"/>
-                </a:solidFill>
-                <a:effectLst/>
-                <a:latin typeface="Söhne"/>
-              </a:rPr>
-              <a:t>A convolução permite que as </a:t>
-            </a:r>
-            <a:r>
-              <a:rPr lang="pt-BR" b="0" i="0" dirty="0" err="1">
-                <a:solidFill>
-                  <a:srgbClr val="374151"/>
-                </a:solidFill>
-                <a:effectLst/>
-                <a:latin typeface="Söhne"/>
-              </a:rPr>
-              <a:t>CNNs</a:t>
-            </a:r>
-            <a:r>
-              <a:rPr lang="pt-BR" b="0" i="0" dirty="0">
-                <a:solidFill>
-                  <a:srgbClr val="374151"/>
-                </a:solidFill>
-                <a:effectLst/>
-                <a:latin typeface="Söhne"/>
-              </a:rPr>
-              <a:t> detectem padrões locais em uma imagem, como bordas, texturas e outras características. </a:t>
-            </a:r>
-          </a:p>
-          <a:p>
-            <a:r>
-              <a:rPr lang="pt-BR" b="0" i="0" dirty="0">
-                <a:solidFill>
-                  <a:srgbClr val="374151"/>
-                </a:solidFill>
-                <a:effectLst/>
-                <a:latin typeface="Söhne"/>
-              </a:rPr>
-              <a:t>O compartilhamento de parâmetros reduz drasticamente o número de parâmetros da rede, tornando-a mais eficiente e menos propensa a </a:t>
-            </a:r>
-            <a:r>
-              <a:rPr lang="pt-BR" b="0" i="0" dirty="0" err="1">
-                <a:solidFill>
-                  <a:srgbClr val="374151"/>
-                </a:solidFill>
-                <a:effectLst/>
-                <a:latin typeface="Söhne"/>
-              </a:rPr>
-              <a:t>overfitting</a:t>
-            </a:r>
-            <a:r>
-              <a:rPr lang="pt-BR" b="0" i="0" dirty="0">
-                <a:solidFill>
-                  <a:srgbClr val="374151"/>
-                </a:solidFill>
-                <a:effectLst/>
-                <a:latin typeface="Söhne"/>
-              </a:rPr>
-              <a:t>.</a:t>
-            </a:r>
             <a:endParaRPr lang="pt-BR" dirty="0"/>
           </a:p>
         </p:txBody>
@@ -1004,132 +951,44 @@
               <a:defRPr/>
             </a:pPr>
             <a:r>
+              <a:rPr lang="pt-BR" b="0" i="0" dirty="0">
+                <a:solidFill>
+                  <a:srgbClr val="000000"/>
+                </a:solidFill>
+                <a:effectLst/>
+                <a:latin typeface="Helvetica Neue"/>
+              </a:rPr>
+              <a:t>Percebam que o modelo (i.e., a função hipótese) </a:t>
+            </a:r>
+            <a:r>
+              <a:rPr lang="pt-BR" b="1" i="0" dirty="0">
+                <a:solidFill>
+                  <a:srgbClr val="000000"/>
+                </a:solidFill>
+                <a:effectLst/>
+                <a:latin typeface="Helvetica Neue"/>
+              </a:rPr>
+              <a:t>varia</a:t>
+            </a:r>
+            <a:r>
+              <a:rPr lang="pt-BR" b="0" i="0" dirty="0">
+                <a:solidFill>
+                  <a:srgbClr val="000000"/>
+                </a:solidFill>
+                <a:effectLst/>
+                <a:latin typeface="Helvetica Neue"/>
+              </a:rPr>
+              <a:t>, ou seja, assume formatos diferentes, de acordo com o conjunto de treinamento.</a:t>
+            </a:r>
+          </a:p>
+          <a:p>
+            <a:endParaRPr lang="pt-BR" dirty="0"/>
+          </a:p>
+          <a:p>
+            <a:r>
               <a:rPr lang="pt-BR" dirty="0"/>
-              <a:t>https://colab.research.google.com/github/zz4fap/tp557-iot-ml/blob/master/examples/Classification_report.ipynb</a:t>
-            </a:r>
-          </a:p>
-          <a:p>
-            <a:pPr marL="0" marR="0" lvl="0" indent="0" algn="l" defTabSz="914400" rtl="0" eaLnBrk="1" fontAlgn="auto" latinLnBrk="0" hangingPunct="1">
-              <a:lnSpc>
-                <a:spcPct val="100000"/>
-              </a:lnSpc>
-              <a:spcBef>
-                <a:spcPts val="0"/>
-              </a:spcBef>
-              <a:spcAft>
-                <a:spcPts val="0"/>
-              </a:spcAft>
-              <a:buClrTx/>
-              <a:buSzTx/>
-              <a:buFontTx/>
-              <a:buNone/>
-              <a:tabLst/>
-              <a:defRPr/>
-            </a:pPr>
-            <a:endParaRPr lang="pt-BR" dirty="0"/>
-          </a:p>
-          <a:p>
-            <a:pPr marL="0" marR="0" lvl="0" indent="0" algn="l" defTabSz="914400" rtl="0" eaLnBrk="1" fontAlgn="auto" latinLnBrk="0" hangingPunct="1">
-              <a:lnSpc>
-                <a:spcPct val="100000"/>
-              </a:lnSpc>
-              <a:spcBef>
-                <a:spcPts val="0"/>
-              </a:spcBef>
-              <a:spcAft>
-                <a:spcPts val="0"/>
-              </a:spcAft>
-              <a:buClrTx/>
-              <a:buSzTx/>
-              <a:buFontTx/>
-              <a:buNone/>
-              <a:tabLst/>
-              <a:defRPr/>
-            </a:pPr>
-            <a:endParaRPr lang="pt-BR" dirty="0"/>
-          </a:p>
-          <a:p>
-            <a:pPr marL="0" marR="0" lvl="0" indent="0" algn="l" defTabSz="914400" rtl="0" eaLnBrk="1" fontAlgn="auto" latinLnBrk="0" hangingPunct="1">
-              <a:lnSpc>
-                <a:spcPct val="100000"/>
-              </a:lnSpc>
-              <a:spcBef>
-                <a:spcPts val="0"/>
-              </a:spcBef>
-              <a:spcAft>
-                <a:spcPts val="0"/>
-              </a:spcAft>
-              <a:buClrTx/>
-              <a:buSzTx/>
-              <a:buFontTx/>
-              <a:buNone/>
-              <a:tabLst/>
-              <a:defRPr/>
-            </a:pPr>
-            <a:r>
-              <a:rPr lang="pt-BR" dirty="0"/>
-              <a:t>https://github.com/zz4fap/tp557-iot-ml/blob/main/examples/Classification_report.ipynb</a:t>
-            </a:r>
-          </a:p>
-          <a:p>
-            <a:pPr marL="0" marR="0" lvl="0" indent="0" algn="l" defTabSz="914400" rtl="0" eaLnBrk="1" fontAlgn="auto" latinLnBrk="0" hangingPunct="1">
-              <a:lnSpc>
-                <a:spcPct val="100000"/>
-              </a:lnSpc>
-              <a:spcBef>
-                <a:spcPts val="0"/>
-              </a:spcBef>
-              <a:spcAft>
-                <a:spcPts val="0"/>
-              </a:spcAft>
-              <a:buClrTx/>
-              <a:buSzTx/>
-              <a:buFontTx/>
-              <a:buNone/>
-              <a:tabLst/>
-              <a:defRPr/>
-            </a:pPr>
-            <a:endParaRPr lang="pt-BR" dirty="0"/>
-          </a:p>
-          <a:p>
-            <a:pPr marL="0" marR="0" lvl="0" indent="0" algn="l" defTabSz="914400" rtl="0" eaLnBrk="1" fontAlgn="auto" latinLnBrk="0" hangingPunct="1">
-              <a:lnSpc>
-                <a:spcPct val="100000"/>
-              </a:lnSpc>
-              <a:spcBef>
-                <a:spcPts val="0"/>
-              </a:spcBef>
-              <a:spcAft>
-                <a:spcPts val="0"/>
-              </a:spcAft>
-              <a:buClrTx/>
-              <a:buSzTx/>
-              <a:buFontTx/>
-              <a:buNone/>
-              <a:tabLst/>
-              <a:defRPr/>
-            </a:pPr>
-            <a:endParaRPr lang="pt-BR" dirty="0"/>
-          </a:p>
-          <a:p>
-            <a:pPr marL="0" marR="0" lvl="0" indent="0" algn="l" defTabSz="914400" rtl="0" eaLnBrk="1" fontAlgn="auto" latinLnBrk="0" hangingPunct="1">
-              <a:lnSpc>
-                <a:spcPct val="100000"/>
-              </a:lnSpc>
-              <a:spcBef>
-                <a:spcPts val="0"/>
-              </a:spcBef>
-              <a:spcAft>
-                <a:spcPts val="0"/>
-              </a:spcAft>
-              <a:buClrTx/>
-              <a:buSzTx/>
-              <a:buFontTx/>
-              <a:buNone/>
-              <a:tabLst/>
-              <a:defRPr/>
-            </a:pPr>
-            <a:endParaRPr lang="pt-BR" dirty="0"/>
+              <a:t>https://colab.research.google.com/github/zz4fap/tp557-iot-ml/blob/master/examples/Overffiting.ipynb</a:t>
+            </a:r>
           </a:p>
         </p:txBody>
       </p:sp>
@@ -1150,7 +1009,7 @@
           <a:p>
             <a:fld id="{6FC8D850-966F-45A6-8DE7-15B891E7D40D}" type="slidenum">
               <a:rPr lang="pt-BR" smtClean="0"/>
-              <a:t>3</a:t>
+              <a:t>4</a:t>
             </a:fld>
             <a:endParaRPr lang="pt-BR"/>
           </a:p>
@@ -1159,7 +1018,7 @@
     </p:spTree>
     <p:extLst>
       <p:ext uri="{BB962C8B-B14F-4D97-AF65-F5344CB8AC3E}">
-        <p14:creationId xmlns:p14="http://schemas.microsoft.com/office/powerpoint/2010/main" val="4213120806"/>
+        <p14:creationId xmlns:p14="http://schemas.microsoft.com/office/powerpoint/2010/main" val="918714098"/>
       </p:ext>
     </p:extLst>
   </p:cSld>
@@ -1213,6 +1072,421 @@
           <a:bodyPr/>
           <a:lstStyle/>
           <a:p>
+            <a:endParaRPr lang="pt-BR" dirty="0"/>
+          </a:p>
+        </p:txBody>
+      </p:sp>
+      <p:sp>
+        <p:nvSpPr>
+          <p:cNvPr id="4" name="Espaço Reservado para Número de Slide 3"/>
+          <p:cNvSpPr>
+            <a:spLocks noGrp="1"/>
+          </p:cNvSpPr>
+          <p:nvPr>
+            <p:ph type="sldNum" sz="quarter" idx="5"/>
+          </p:nvPr>
+        </p:nvSpPr>
+        <p:spPr/>
+        <p:txBody>
+          <a:bodyPr/>
+          <a:lstStyle/>
+          <a:p>
+            <a:fld id="{6FC8D850-966F-45A6-8DE7-15B891E7D40D}" type="slidenum">
+              <a:rPr lang="pt-BR" smtClean="0"/>
+              <a:t>6</a:t>
+            </a:fld>
+            <a:endParaRPr lang="pt-BR"/>
+          </a:p>
+        </p:txBody>
+      </p:sp>
+    </p:spTree>
+    <p:extLst>
+      <p:ext uri="{BB962C8B-B14F-4D97-AF65-F5344CB8AC3E}">
+        <p14:creationId xmlns:p14="http://schemas.microsoft.com/office/powerpoint/2010/main" val="1093406508"/>
+      </p:ext>
+    </p:extLst>
+  </p:cSld>
+  <p:clrMapOvr>
+    <a:masterClrMapping/>
+  </p:clrMapOvr>
+</p:notes>
+</file>
+
+<file path=ppt/notesSlides/notesSlide5.xml><?xml version="1.0" encoding="utf-8"?>
+<p:notes xmlns:a="http://schemas.openxmlformats.org/drawingml/2006/main" xmlns:r="http://schemas.openxmlformats.org/officeDocument/2006/relationships" xmlns:p="http://schemas.openxmlformats.org/presentationml/2006/main">
+  <p:cSld>
+    <p:spTree>
+      <p:nvGrpSpPr>
+        <p:cNvPr id="1" name=""/>
+        <p:cNvGrpSpPr/>
+        <p:nvPr/>
+      </p:nvGrpSpPr>
+      <p:grpSpPr>
+        <a:xfrm>
+          <a:off x="0" y="0"/>
+          <a:ext cx="0" cy="0"/>
+          <a:chOff x="0" y="0"/>
+          <a:chExt cx="0" cy="0"/>
+        </a:xfrm>
+      </p:grpSpPr>
+      <p:sp>
+        <p:nvSpPr>
+          <p:cNvPr id="2" name="Espaço Reservado para Imagem de Slide 1"/>
+          <p:cNvSpPr>
+            <a:spLocks noGrp="1" noRot="1" noChangeAspect="1"/>
+          </p:cNvSpPr>
+          <p:nvPr>
+            <p:ph type="sldImg"/>
+          </p:nvPr>
+        </p:nvSpPr>
+        <p:spPr/>
+      </p:sp>
+      <p:sp>
+        <p:nvSpPr>
+          <p:cNvPr id="3" name="Espaço Reservado para Anotações 2"/>
+          <p:cNvSpPr>
+            <a:spLocks noGrp="1"/>
+          </p:cNvSpPr>
+          <p:nvPr>
+            <p:ph type="body" idx="1"/>
+          </p:nvPr>
+        </p:nvSpPr>
+        <p:spPr/>
+        <p:txBody>
+          <a:bodyPr/>
+          <a:lstStyle/>
+          <a:p>
+            <a:pPr marL="0" marR="0" lvl="0" indent="0" algn="l" defTabSz="914400" rtl="0" eaLnBrk="1" fontAlgn="auto" latinLnBrk="0" hangingPunct="1">
+              <a:lnSpc>
+                <a:spcPct val="100000"/>
+              </a:lnSpc>
+              <a:spcBef>
+                <a:spcPts val="0"/>
+              </a:spcBef>
+              <a:spcAft>
+                <a:spcPts val="0"/>
+              </a:spcAft>
+              <a:buClrTx/>
+              <a:buSzTx/>
+              <a:buFontTx/>
+              <a:buNone/>
+              <a:tabLst/>
+              <a:defRPr/>
+            </a:pPr>
+            <a:r>
+              <a:rPr lang="pt-BR" dirty="0"/>
+              <a:t>https://colab.research.google.com/github/zz4fap/tp557-iot-ml/blob/master/examples/validacao_cruzada_k_fold.ipynb</a:t>
+            </a:r>
+          </a:p>
+        </p:txBody>
+      </p:sp>
+      <p:sp>
+        <p:nvSpPr>
+          <p:cNvPr id="4" name="Espaço Reservado para Número de Slide 3"/>
+          <p:cNvSpPr>
+            <a:spLocks noGrp="1"/>
+          </p:cNvSpPr>
+          <p:nvPr>
+            <p:ph type="sldNum" sz="quarter" idx="5"/>
+          </p:nvPr>
+        </p:nvSpPr>
+        <p:spPr/>
+        <p:txBody>
+          <a:bodyPr/>
+          <a:lstStyle/>
+          <a:p>
+            <a:fld id="{6FC8D850-966F-45A6-8DE7-15B891E7D40D}" type="slidenum">
+              <a:rPr lang="pt-BR" smtClean="0"/>
+              <a:t>8</a:t>
+            </a:fld>
+            <a:endParaRPr lang="pt-BR"/>
+          </a:p>
+        </p:txBody>
+      </p:sp>
+    </p:spTree>
+    <p:extLst>
+      <p:ext uri="{BB962C8B-B14F-4D97-AF65-F5344CB8AC3E}">
+        <p14:creationId xmlns:p14="http://schemas.microsoft.com/office/powerpoint/2010/main" val="3018833618"/>
+      </p:ext>
+    </p:extLst>
+  </p:cSld>
+  <p:clrMapOvr>
+    <a:masterClrMapping/>
+  </p:clrMapOvr>
+</p:notes>
+</file>
+
+<file path=ppt/notesSlides/notesSlide6.xml><?xml version="1.0" encoding="utf-8"?>
+<p:notes xmlns:a="http://schemas.openxmlformats.org/drawingml/2006/main" xmlns:r="http://schemas.openxmlformats.org/officeDocument/2006/relationships" xmlns:p="http://schemas.openxmlformats.org/presentationml/2006/main">
+  <p:cSld>
+    <p:spTree>
+      <p:nvGrpSpPr>
+        <p:cNvPr id="1" name=""/>
+        <p:cNvGrpSpPr/>
+        <p:nvPr/>
+      </p:nvGrpSpPr>
+      <p:grpSpPr>
+        <a:xfrm>
+          <a:off x="0" y="0"/>
+          <a:ext cx="0" cy="0"/>
+          <a:chOff x="0" y="0"/>
+          <a:chExt cx="0" cy="0"/>
+        </a:xfrm>
+      </p:grpSpPr>
+      <p:sp>
+        <p:nvSpPr>
+          <p:cNvPr id="2" name="Espaço Reservado para Imagem de Slide 1"/>
+          <p:cNvSpPr>
+            <a:spLocks noGrp="1" noRot="1" noChangeAspect="1"/>
+          </p:cNvSpPr>
+          <p:nvPr>
+            <p:ph type="sldImg"/>
+          </p:nvPr>
+        </p:nvSpPr>
+        <p:spPr/>
+      </p:sp>
+      <p:sp>
+        <p:nvSpPr>
+          <p:cNvPr id="3" name="Espaço Reservado para Anotações 2"/>
+          <p:cNvSpPr>
+            <a:spLocks noGrp="1"/>
+          </p:cNvSpPr>
+          <p:nvPr>
+            <p:ph type="body" idx="1"/>
+          </p:nvPr>
+        </p:nvSpPr>
+        <p:spPr/>
+        <p:txBody>
+          <a:bodyPr/>
+          <a:lstStyle/>
+          <a:p>
+            <a:pPr marL="0" marR="0" lvl="0" indent="0" algn="l" defTabSz="914400" rtl="0" eaLnBrk="1" fontAlgn="auto" latinLnBrk="0" hangingPunct="1">
+              <a:lnSpc>
+                <a:spcPct val="100000"/>
+              </a:lnSpc>
+              <a:spcBef>
+                <a:spcPts val="0"/>
+              </a:spcBef>
+              <a:spcAft>
+                <a:spcPts val="0"/>
+              </a:spcAft>
+              <a:buClrTx/>
+              <a:buSzTx/>
+              <a:buFontTx/>
+              <a:buNone/>
+              <a:tabLst/>
+              <a:defRPr/>
+            </a:pPr>
+            <a:r>
+              <a:rPr lang="pt-BR" dirty="0"/>
+              <a:t>https://colab.research.google.com/github/zz4fap/tp557-iot-ml/blob/master/examples/Classification_report.ipynb</a:t>
+            </a:r>
+          </a:p>
+          <a:p>
+            <a:pPr marL="0" marR="0" lvl="0" indent="0" algn="l" defTabSz="914400" rtl="0" eaLnBrk="1" fontAlgn="auto" latinLnBrk="0" hangingPunct="1">
+              <a:lnSpc>
+                <a:spcPct val="100000"/>
+              </a:lnSpc>
+              <a:spcBef>
+                <a:spcPts val="0"/>
+              </a:spcBef>
+              <a:spcAft>
+                <a:spcPts val="0"/>
+              </a:spcAft>
+              <a:buClrTx/>
+              <a:buSzTx/>
+              <a:buFontTx/>
+              <a:buNone/>
+              <a:tabLst/>
+              <a:defRPr/>
+            </a:pPr>
+            <a:endParaRPr lang="pt-BR" dirty="0"/>
+          </a:p>
+          <a:p>
+            <a:pPr marL="0" marR="0" lvl="0" indent="0" algn="l" defTabSz="914400" rtl="0" eaLnBrk="1" fontAlgn="auto" latinLnBrk="0" hangingPunct="1">
+              <a:lnSpc>
+                <a:spcPct val="100000"/>
+              </a:lnSpc>
+              <a:spcBef>
+                <a:spcPts val="0"/>
+              </a:spcBef>
+              <a:spcAft>
+                <a:spcPts val="0"/>
+              </a:spcAft>
+              <a:buClrTx/>
+              <a:buSzTx/>
+              <a:buFontTx/>
+              <a:buNone/>
+              <a:tabLst/>
+              <a:defRPr/>
+            </a:pPr>
+            <a:endParaRPr lang="pt-BR" dirty="0"/>
+          </a:p>
+          <a:p>
+            <a:pPr marL="0" marR="0" lvl="0" indent="0" algn="l" defTabSz="914400" rtl="0" eaLnBrk="1" fontAlgn="auto" latinLnBrk="0" hangingPunct="1">
+              <a:lnSpc>
+                <a:spcPct val="100000"/>
+              </a:lnSpc>
+              <a:spcBef>
+                <a:spcPts val="0"/>
+              </a:spcBef>
+              <a:spcAft>
+                <a:spcPts val="0"/>
+              </a:spcAft>
+              <a:buClrTx/>
+              <a:buSzTx/>
+              <a:buFontTx/>
+              <a:buNone/>
+              <a:tabLst/>
+              <a:defRPr/>
+            </a:pPr>
+            <a:r>
+              <a:rPr lang="pt-BR" dirty="0"/>
+              <a:t>https://github.com/zz4fap/tp557-iot-ml/blob/main/examples/Classification_report.ipynb</a:t>
+            </a:r>
+          </a:p>
+          <a:p>
+            <a:pPr marL="0" marR="0" lvl="0" indent="0" algn="l" defTabSz="914400" rtl="0" eaLnBrk="1" fontAlgn="auto" latinLnBrk="0" hangingPunct="1">
+              <a:lnSpc>
+                <a:spcPct val="100000"/>
+              </a:lnSpc>
+              <a:spcBef>
+                <a:spcPts val="0"/>
+              </a:spcBef>
+              <a:spcAft>
+                <a:spcPts val="0"/>
+              </a:spcAft>
+              <a:buClrTx/>
+              <a:buSzTx/>
+              <a:buFontTx/>
+              <a:buNone/>
+              <a:tabLst/>
+              <a:defRPr/>
+            </a:pPr>
+            <a:endParaRPr lang="pt-BR" dirty="0"/>
+          </a:p>
+          <a:p>
+            <a:pPr marL="0" marR="0" lvl="0" indent="0" algn="l" defTabSz="914400" rtl="0" eaLnBrk="1" fontAlgn="auto" latinLnBrk="0" hangingPunct="1">
+              <a:lnSpc>
+                <a:spcPct val="100000"/>
+              </a:lnSpc>
+              <a:spcBef>
+                <a:spcPts val="0"/>
+              </a:spcBef>
+              <a:spcAft>
+                <a:spcPts val="0"/>
+              </a:spcAft>
+              <a:buClrTx/>
+              <a:buSzTx/>
+              <a:buFontTx/>
+              <a:buNone/>
+              <a:tabLst/>
+              <a:defRPr/>
+            </a:pPr>
+            <a:endParaRPr lang="pt-BR" dirty="0"/>
+          </a:p>
+          <a:p>
+            <a:pPr marL="0" marR="0" lvl="0" indent="0" algn="l" defTabSz="914400" rtl="0" eaLnBrk="1" fontAlgn="auto" latinLnBrk="0" hangingPunct="1">
+              <a:lnSpc>
+                <a:spcPct val="100000"/>
+              </a:lnSpc>
+              <a:spcBef>
+                <a:spcPts val="0"/>
+              </a:spcBef>
+              <a:spcAft>
+                <a:spcPts val="0"/>
+              </a:spcAft>
+              <a:buClrTx/>
+              <a:buSzTx/>
+              <a:buFontTx/>
+              <a:buNone/>
+              <a:tabLst/>
+              <a:defRPr/>
+            </a:pPr>
+            <a:endParaRPr lang="pt-BR" dirty="0"/>
+          </a:p>
+        </p:txBody>
+      </p:sp>
+      <p:sp>
+        <p:nvSpPr>
+          <p:cNvPr id="4" name="Espaço Reservado para Número de Slide 3"/>
+          <p:cNvSpPr>
+            <a:spLocks noGrp="1"/>
+          </p:cNvSpPr>
+          <p:nvPr>
+            <p:ph type="sldNum" sz="quarter" idx="5"/>
+          </p:nvPr>
+        </p:nvSpPr>
+        <p:spPr/>
+        <p:txBody>
+          <a:bodyPr/>
+          <a:lstStyle/>
+          <a:p>
+            <a:fld id="{6FC8D850-966F-45A6-8DE7-15B891E7D40D}" type="slidenum">
+              <a:rPr lang="pt-BR" smtClean="0"/>
+              <a:t>12</a:t>
+            </a:fld>
+            <a:endParaRPr lang="pt-BR"/>
+          </a:p>
+        </p:txBody>
+      </p:sp>
+    </p:spTree>
+    <p:extLst>
+      <p:ext uri="{BB962C8B-B14F-4D97-AF65-F5344CB8AC3E}">
+        <p14:creationId xmlns:p14="http://schemas.microsoft.com/office/powerpoint/2010/main" val="4213120806"/>
+      </p:ext>
+    </p:extLst>
+  </p:cSld>
+  <p:clrMapOvr>
+    <a:masterClrMapping/>
+  </p:clrMapOvr>
+</p:notes>
+</file>
+
+<file path=ppt/notesSlides/notesSlide7.xml><?xml version="1.0" encoding="utf-8"?>
+<p:notes xmlns:a="http://schemas.openxmlformats.org/drawingml/2006/main" xmlns:r="http://schemas.openxmlformats.org/officeDocument/2006/relationships" xmlns:p="http://schemas.openxmlformats.org/presentationml/2006/main">
+  <p:cSld>
+    <p:spTree>
+      <p:nvGrpSpPr>
+        <p:cNvPr id="1" name=""/>
+        <p:cNvGrpSpPr/>
+        <p:nvPr/>
+      </p:nvGrpSpPr>
+      <p:grpSpPr>
+        <a:xfrm>
+          <a:off x="0" y="0"/>
+          <a:ext cx="0" cy="0"/>
+          <a:chOff x="0" y="0"/>
+          <a:chExt cx="0" cy="0"/>
+        </a:xfrm>
+      </p:grpSpPr>
+      <p:sp>
+        <p:nvSpPr>
+          <p:cNvPr id="2" name="Espaço Reservado para Imagem de Slide 1"/>
+          <p:cNvSpPr>
+            <a:spLocks noGrp="1" noRot="1" noChangeAspect="1"/>
+          </p:cNvSpPr>
+          <p:nvPr>
+            <p:ph type="sldImg"/>
+          </p:nvPr>
+        </p:nvSpPr>
+        <p:spPr/>
+      </p:sp>
+      <p:sp>
+        <p:nvSpPr>
+          <p:cNvPr id="3" name="Espaço Reservado para Anotações 2"/>
+          <p:cNvSpPr>
+            <a:spLocks noGrp="1"/>
+          </p:cNvSpPr>
+          <p:nvPr>
+            <p:ph type="body" idx="1"/>
+          </p:nvPr>
+        </p:nvSpPr>
+        <p:spPr/>
+        <p:txBody>
+          <a:bodyPr/>
+          <a:lstStyle/>
+          <a:p>
             <a:r>
               <a:rPr lang="pt-BR" dirty="0"/>
               <a:t>https://colab.research.google.com/github/zz4fap/tp557-iot-ml/blob/master/exercises/Exercicio_sobre_redes_neurais_convolucionais.ipynb</a:t>
@@ -1246,7 +1520,7 @@
           <a:p>
             <a:fld id="{6FC8D850-966F-45A6-8DE7-15B891E7D40D}" type="slidenum">
               <a:rPr lang="pt-BR" smtClean="0"/>
-              <a:t>4</a:t>
+              <a:t>13</a:t>
             </a:fld>
             <a:endParaRPr lang="pt-BR"/>
           </a:p>
@@ -1412,7 +1686,7 @@
           <a:p>
             <a:fld id="{63289F7E-B80B-496E-81B4-D396C37C9454}" type="datetimeFigureOut">
               <a:rPr lang="pt-BR" smtClean="0"/>
-              <a:t>09/09/2023</a:t>
+              <a:t>12/09/2023</a:t>
             </a:fld>
             <a:endParaRPr lang="pt-BR"/>
           </a:p>
@@ -1610,7 +1884,7 @@
           <a:p>
             <a:fld id="{63289F7E-B80B-496E-81B4-D396C37C9454}" type="datetimeFigureOut">
               <a:rPr lang="pt-BR" smtClean="0"/>
-              <a:t>09/09/2023</a:t>
+              <a:t>12/09/2023</a:t>
             </a:fld>
             <a:endParaRPr lang="pt-BR"/>
           </a:p>
@@ -1818,7 +2092,7 @@
           <a:p>
             <a:fld id="{63289F7E-B80B-496E-81B4-D396C37C9454}" type="datetimeFigureOut">
               <a:rPr lang="pt-BR" smtClean="0"/>
-              <a:t>09/09/2023</a:t>
+              <a:t>12/09/2023</a:t>
             </a:fld>
             <a:endParaRPr lang="pt-BR"/>
           </a:p>
@@ -2016,7 +2290,7 @@
           <a:p>
             <a:fld id="{63289F7E-B80B-496E-81B4-D396C37C9454}" type="datetimeFigureOut">
               <a:rPr lang="pt-BR" smtClean="0"/>
-              <a:t>09/09/2023</a:t>
+              <a:t>12/09/2023</a:t>
             </a:fld>
             <a:endParaRPr lang="pt-BR"/>
           </a:p>
@@ -2291,7 +2565,7 @@
           <a:p>
             <a:fld id="{63289F7E-B80B-496E-81B4-D396C37C9454}" type="datetimeFigureOut">
               <a:rPr lang="pt-BR" smtClean="0"/>
-              <a:t>09/09/2023</a:t>
+              <a:t>12/09/2023</a:t>
             </a:fld>
             <a:endParaRPr lang="pt-BR"/>
           </a:p>
@@ -2556,7 +2830,7 @@
           <a:p>
             <a:fld id="{63289F7E-B80B-496E-81B4-D396C37C9454}" type="datetimeFigureOut">
               <a:rPr lang="pt-BR" smtClean="0"/>
-              <a:t>09/09/2023</a:t>
+              <a:t>12/09/2023</a:t>
             </a:fld>
             <a:endParaRPr lang="pt-BR"/>
           </a:p>
@@ -2968,7 +3242,7 @@
           <a:p>
             <a:fld id="{63289F7E-B80B-496E-81B4-D396C37C9454}" type="datetimeFigureOut">
               <a:rPr lang="pt-BR" smtClean="0"/>
-              <a:t>09/09/2023</a:t>
+              <a:t>12/09/2023</a:t>
             </a:fld>
             <a:endParaRPr lang="pt-BR"/>
           </a:p>
@@ -3109,7 +3383,7 @@
           <a:p>
             <a:fld id="{63289F7E-B80B-496E-81B4-D396C37C9454}" type="datetimeFigureOut">
               <a:rPr lang="pt-BR" smtClean="0"/>
-              <a:t>09/09/2023</a:t>
+              <a:t>12/09/2023</a:t>
             </a:fld>
             <a:endParaRPr lang="pt-BR"/>
           </a:p>
@@ -3222,7 +3496,7 @@
           <a:p>
             <a:fld id="{63289F7E-B80B-496E-81B4-D396C37C9454}" type="datetimeFigureOut">
               <a:rPr lang="pt-BR" smtClean="0"/>
-              <a:t>09/09/2023</a:t>
+              <a:t>12/09/2023</a:t>
             </a:fld>
             <a:endParaRPr lang="pt-BR"/>
           </a:p>
@@ -3533,7 +3807,7 @@
           <a:p>
             <a:fld id="{63289F7E-B80B-496E-81B4-D396C37C9454}" type="datetimeFigureOut">
               <a:rPr lang="pt-BR" smtClean="0"/>
-              <a:t>09/09/2023</a:t>
+              <a:t>12/09/2023</a:t>
             </a:fld>
             <a:endParaRPr lang="pt-BR"/>
           </a:p>
@@ -3821,7 +4095,7 @@
           <a:p>
             <a:fld id="{63289F7E-B80B-496E-81B4-D396C37C9454}" type="datetimeFigureOut">
               <a:rPr lang="pt-BR" smtClean="0"/>
-              <a:t>09/09/2023</a:t>
+              <a:t>12/09/2023</a:t>
             </a:fld>
             <a:endParaRPr lang="pt-BR"/>
           </a:p>
@@ -4062,7 +4336,7 @@
           <a:p>
             <a:fld id="{63289F7E-B80B-496E-81B4-D396C37C9454}" type="datetimeFigureOut">
               <a:rPr lang="pt-BR" smtClean="0"/>
-              <a:t>09/09/2023</a:t>
+              <a:t>12/09/2023</a:t>
             </a:fld>
             <a:endParaRPr lang="pt-BR"/>
           </a:p>
@@ -4524,7 +4798,7 @@
             </a:br>
             <a:r>
               <a:rPr lang="pt-BR" b="1" i="1" dirty="0"/>
-              <a:t>Introduzindo Convoluções</a:t>
+              <a:t>Prevenindo o sobreajuste</a:t>
             </a:r>
           </a:p>
         </p:txBody>
@@ -4718,6 +4992,990 @@
 </p:sld>
 </file>
 
+<file path=ppt/slides/slide10.xml><?xml version="1.0" encoding="utf-8"?>
+<p:sld xmlns:a="http://schemas.openxmlformats.org/drawingml/2006/main" xmlns:r="http://schemas.openxmlformats.org/officeDocument/2006/relationships" xmlns:p="http://schemas.openxmlformats.org/presentationml/2006/main">
+  <p:cSld>
+    <p:spTree>
+      <p:nvGrpSpPr>
+        <p:cNvPr id="1" name=""/>
+        <p:cNvGrpSpPr/>
+        <p:nvPr/>
+      </p:nvGrpSpPr>
+      <p:grpSpPr>
+        <a:xfrm>
+          <a:off x="0" y="0"/>
+          <a:ext cx="0" cy="0"/>
+          <a:chOff x="0" y="0"/>
+          <a:chExt cx="0" cy="0"/>
+        </a:xfrm>
+      </p:grpSpPr>
+      <p:sp>
+        <p:nvSpPr>
+          <p:cNvPr id="2" name="Título 1">
+            <a:extLst>
+              <a:ext uri="{FF2B5EF4-FFF2-40B4-BE49-F238E27FC236}">
+                <a16:creationId xmlns:a16="http://schemas.microsoft.com/office/drawing/2014/main" id="{6766F209-3E3E-0136-4083-293C5897A43D}"/>
+              </a:ext>
+            </a:extLst>
+          </p:cNvPr>
+          <p:cNvSpPr>
+            <a:spLocks noGrp="1"/>
+          </p:cNvSpPr>
+          <p:nvPr>
+            <p:ph type="title"/>
+          </p:nvPr>
+        </p:nvSpPr>
+        <p:spPr/>
+        <p:txBody>
+          <a:bodyPr/>
+          <a:lstStyle/>
+          <a:p>
+            <a:r>
+              <a:rPr lang="pt-BR" dirty="0"/>
+              <a:t>Como evitar o sobreajuste?</a:t>
+            </a:r>
+          </a:p>
+        </p:txBody>
+      </p:sp>
+      <p:sp>
+        <p:nvSpPr>
+          <p:cNvPr id="3" name="Espaço Reservado para Conteúdo 2">
+            <a:extLst>
+              <a:ext uri="{FF2B5EF4-FFF2-40B4-BE49-F238E27FC236}">
+                <a16:creationId xmlns:a16="http://schemas.microsoft.com/office/drawing/2014/main" id="{D2294B5F-B438-34E2-4845-29E47EF0DECB}"/>
+              </a:ext>
+            </a:extLst>
+          </p:cNvPr>
+          <p:cNvSpPr>
+            <a:spLocks noGrp="1"/>
+          </p:cNvSpPr>
+          <p:nvPr>
+            <p:ph idx="1"/>
+          </p:nvPr>
+        </p:nvSpPr>
+        <p:spPr>
+          <a:xfrm>
+            <a:off x="838200" y="1825624"/>
+            <a:ext cx="11049000" cy="5032375"/>
+          </a:xfrm>
+        </p:spPr>
+        <p:txBody>
+          <a:bodyPr>
+            <a:normAutofit/>
+          </a:bodyPr>
+          <a:lstStyle/>
+          <a:p>
+            <a:r>
+              <a:rPr lang="pt-BR" b="1" i="0" dirty="0">
+                <a:effectLst/>
+              </a:rPr>
+              <a:t>Conjunto de validação:</a:t>
+            </a:r>
+            <a:r>
+              <a:rPr lang="pt-BR" b="0" i="0" dirty="0">
+                <a:effectLst/>
+              </a:rPr>
+              <a:t> Dividir os dados de treinamento em um conjunto de treinamento e um conjunto de validação para monitorar o desempenho do modelo durante o treinamento e ajustar hiperparâmetros.</a:t>
+            </a:r>
+          </a:p>
+          <a:p>
+            <a:r>
+              <a:rPr lang="pt-BR" b="1" i="0" dirty="0">
+                <a:effectLst/>
+              </a:rPr>
+              <a:t>Regularização:</a:t>
+            </a:r>
+            <a:r>
+              <a:rPr lang="pt-BR" b="0" i="0" dirty="0">
+                <a:effectLst/>
+              </a:rPr>
+              <a:t> Utilizar técnicas de regularização, como L1, L2 ou </a:t>
+            </a:r>
+            <a:r>
+              <a:rPr lang="pt-BR" b="0" i="1" dirty="0">
+                <a:effectLst/>
+              </a:rPr>
+              <a:t>Dropout</a:t>
+            </a:r>
+            <a:r>
+              <a:rPr lang="pt-BR" b="0" i="0" dirty="0">
+                <a:effectLst/>
+              </a:rPr>
+              <a:t> em redes neurais, para reduzir a complexidade do modelo.</a:t>
+            </a:r>
+          </a:p>
+          <a:p>
+            <a:r>
+              <a:rPr lang="pt-BR" b="1" i="0" dirty="0">
+                <a:effectLst/>
+              </a:rPr>
+              <a:t>Aumento de Dados:</a:t>
+            </a:r>
+            <a:r>
+              <a:rPr lang="pt-BR" b="0" i="0" dirty="0">
+                <a:effectLst/>
+              </a:rPr>
+              <a:t> Aumentar o tamanho do conjunto de treinamento sintetizando novos exemplos a partir dos dados existentes.</a:t>
+            </a:r>
+          </a:p>
+          <a:p>
+            <a:pPr marL="0" indent="0" algn="l">
+              <a:buNone/>
+            </a:pPr>
+            <a:endParaRPr lang="pt-BR" b="0" i="0" dirty="0">
+              <a:effectLst/>
+            </a:endParaRPr>
+          </a:p>
+        </p:txBody>
+      </p:sp>
+    </p:spTree>
+    <p:extLst>
+      <p:ext uri="{BB962C8B-B14F-4D97-AF65-F5344CB8AC3E}">
+        <p14:creationId xmlns:p14="http://schemas.microsoft.com/office/powerpoint/2010/main" val="1668345661"/>
+      </p:ext>
+    </p:extLst>
+  </p:cSld>
+  <p:clrMapOvr>
+    <a:masterClrMapping/>
+  </p:clrMapOvr>
+</p:sld>
+</file>
+
+<file path=ppt/slides/slide11.xml><?xml version="1.0" encoding="utf-8"?>
+<p:sld xmlns:a="http://schemas.openxmlformats.org/drawingml/2006/main" xmlns:r="http://schemas.openxmlformats.org/officeDocument/2006/relationships" xmlns:p="http://schemas.openxmlformats.org/presentationml/2006/main">
+  <p:cSld>
+    <p:spTree>
+      <p:nvGrpSpPr>
+        <p:cNvPr id="1" name=""/>
+        <p:cNvGrpSpPr/>
+        <p:nvPr/>
+      </p:nvGrpSpPr>
+      <p:grpSpPr>
+        <a:xfrm>
+          <a:off x="0" y="0"/>
+          <a:ext cx="0" cy="0"/>
+          <a:chOff x="0" y="0"/>
+          <a:chExt cx="0" cy="0"/>
+        </a:xfrm>
+      </p:grpSpPr>
+      <p:sp>
+        <p:nvSpPr>
+          <p:cNvPr id="2" name="Título 1">
+            <a:extLst>
+              <a:ext uri="{FF2B5EF4-FFF2-40B4-BE49-F238E27FC236}">
+                <a16:creationId xmlns:a16="http://schemas.microsoft.com/office/drawing/2014/main" id="{6766F209-3E3E-0136-4083-293C5897A43D}"/>
+              </a:ext>
+            </a:extLst>
+          </p:cNvPr>
+          <p:cNvSpPr>
+            <a:spLocks noGrp="1"/>
+          </p:cNvSpPr>
+          <p:nvPr>
+            <p:ph type="title"/>
+          </p:nvPr>
+        </p:nvSpPr>
+        <p:spPr/>
+        <p:txBody>
+          <a:bodyPr/>
+          <a:lstStyle/>
+          <a:p>
+            <a:r>
+              <a:rPr lang="pt-BR" dirty="0"/>
+              <a:t>Como evitar o sobreajuste?</a:t>
+            </a:r>
+          </a:p>
+        </p:txBody>
+      </p:sp>
+      <p:sp>
+        <p:nvSpPr>
+          <p:cNvPr id="3" name="Espaço Reservado para Conteúdo 2">
+            <a:extLst>
+              <a:ext uri="{FF2B5EF4-FFF2-40B4-BE49-F238E27FC236}">
+                <a16:creationId xmlns:a16="http://schemas.microsoft.com/office/drawing/2014/main" id="{D2294B5F-B438-34E2-4845-29E47EF0DECB}"/>
+              </a:ext>
+            </a:extLst>
+          </p:cNvPr>
+          <p:cNvSpPr>
+            <a:spLocks noGrp="1"/>
+          </p:cNvSpPr>
+          <p:nvPr>
+            <p:ph idx="1"/>
+          </p:nvPr>
+        </p:nvSpPr>
+        <p:spPr>
+          <a:xfrm>
+            <a:off x="838200" y="1825624"/>
+            <a:ext cx="11049000" cy="5032375"/>
+          </a:xfrm>
+        </p:spPr>
+        <p:txBody>
+          <a:bodyPr>
+            <a:normAutofit/>
+          </a:bodyPr>
+          <a:lstStyle/>
+          <a:p>
+            <a:r>
+              <a:rPr lang="pt-BR" b="1" i="0" dirty="0">
+                <a:effectLst/>
+              </a:rPr>
+              <a:t>Simplificar o modelo:</a:t>
+            </a:r>
+            <a:r>
+              <a:rPr lang="pt-BR" b="0" i="0" dirty="0">
+                <a:effectLst/>
+              </a:rPr>
+              <a:t> Usar modelos mais simples, com menos parâmetros, quando os dados não justificarem um modelo complexo.</a:t>
+            </a:r>
+          </a:p>
+          <a:p>
+            <a:r>
+              <a:rPr lang="pt-BR" b="1" i="0" dirty="0">
+                <a:effectLst/>
+              </a:rPr>
+              <a:t>Validação cruzada:</a:t>
+            </a:r>
+            <a:r>
+              <a:rPr lang="pt-BR" b="0" i="0" dirty="0">
+                <a:effectLst/>
+              </a:rPr>
+              <a:t> Usar validação cruzada para avaliar o desempenho do modelo em várias divisões de dados de treinamento e validação.</a:t>
+            </a:r>
+          </a:p>
+          <a:p>
+            <a:r>
+              <a:rPr lang="pt-BR" b="1" i="0" dirty="0">
+                <a:effectLst/>
+              </a:rPr>
+              <a:t>Coletar mais </a:t>
+            </a:r>
+            <a:r>
+              <a:rPr lang="pt-BR" b="1" dirty="0"/>
+              <a:t>d</a:t>
+            </a:r>
+            <a:r>
+              <a:rPr lang="pt-BR" b="1" i="0" dirty="0">
+                <a:effectLst/>
+              </a:rPr>
+              <a:t>ados:</a:t>
+            </a:r>
+            <a:r>
+              <a:rPr lang="pt-BR" b="0" i="0" dirty="0">
+                <a:effectLst/>
+              </a:rPr>
+              <a:t> Quando possível, coletar mais dados de treinamento para melhorar a capacidade de generalização do modelo.</a:t>
+            </a:r>
+          </a:p>
+        </p:txBody>
+      </p:sp>
+    </p:spTree>
+    <p:extLst>
+      <p:ext uri="{BB962C8B-B14F-4D97-AF65-F5344CB8AC3E}">
+        <p14:creationId xmlns:p14="http://schemas.microsoft.com/office/powerpoint/2010/main" val="1518107708"/>
+      </p:ext>
+    </p:extLst>
+  </p:cSld>
+  <p:clrMapOvr>
+    <a:masterClrMapping/>
+  </p:clrMapOvr>
+</p:sld>
+</file>
+
+<file path=ppt/slides/slide12.xml><?xml version="1.0" encoding="utf-8"?>
+<p:sld xmlns:a="http://schemas.openxmlformats.org/drawingml/2006/main" xmlns:r="http://schemas.openxmlformats.org/officeDocument/2006/relationships" xmlns:p="http://schemas.openxmlformats.org/presentationml/2006/main">
+  <p:cSld>
+    <p:spTree>
+      <p:nvGrpSpPr>
+        <p:cNvPr id="1" name=""/>
+        <p:cNvGrpSpPr/>
+        <p:nvPr/>
+      </p:nvGrpSpPr>
+      <p:grpSpPr>
+        <a:xfrm>
+          <a:off x="0" y="0"/>
+          <a:ext cx="0" cy="0"/>
+          <a:chOff x="0" y="0"/>
+          <a:chExt cx="0" cy="0"/>
+        </a:xfrm>
+      </p:grpSpPr>
+      <p:sp>
+        <p:nvSpPr>
+          <p:cNvPr id="2" name="Título 1">
+            <a:extLst>
+              <a:ext uri="{FF2B5EF4-FFF2-40B4-BE49-F238E27FC236}">
+                <a16:creationId xmlns:a16="http://schemas.microsoft.com/office/drawing/2014/main" id="{9CD00B3E-85D7-8B25-6629-4A85FF36133A}"/>
+              </a:ext>
+            </a:extLst>
+          </p:cNvPr>
+          <p:cNvSpPr>
+            <a:spLocks noGrp="1"/>
+          </p:cNvSpPr>
+          <p:nvPr>
+            <p:ph type="title"/>
+          </p:nvPr>
+        </p:nvSpPr>
+        <p:spPr/>
+        <p:txBody>
+          <a:bodyPr/>
+          <a:lstStyle/>
+          <a:p>
+            <a:r>
+              <a:rPr lang="pt-BR" dirty="0"/>
+              <a:t>Exemplo</a:t>
+            </a:r>
+          </a:p>
+        </p:txBody>
+      </p:sp>
+      <p:sp>
+        <p:nvSpPr>
+          <p:cNvPr id="3" name="Espaço Reservado para Conteúdo 2">
+            <a:extLst>
+              <a:ext uri="{FF2B5EF4-FFF2-40B4-BE49-F238E27FC236}">
+                <a16:creationId xmlns:a16="http://schemas.microsoft.com/office/drawing/2014/main" id="{9730104F-E6BA-B308-644A-11A7E4939EBD}"/>
+              </a:ext>
+            </a:extLst>
+          </p:cNvPr>
+          <p:cNvSpPr>
+            <a:spLocks noGrp="1"/>
+          </p:cNvSpPr>
+          <p:nvPr>
+            <p:ph idx="1"/>
+          </p:nvPr>
+        </p:nvSpPr>
+        <p:spPr>
+          <a:xfrm>
+            <a:off x="838200" y="1825625"/>
+            <a:ext cx="11157898" cy="4351338"/>
+          </a:xfrm>
+        </p:spPr>
+        <p:txBody>
+          <a:bodyPr/>
+          <a:lstStyle/>
+          <a:p>
+            <a:r>
+              <a:rPr lang="pt-BR" dirty="0"/>
+              <a:t>Exemplo:</a:t>
+            </a:r>
+          </a:p>
+        </p:txBody>
+      </p:sp>
+      <p:pic>
+        <p:nvPicPr>
+          <p:cNvPr id="2050" name="Picture 2" descr="TensorFlow">
+            <a:extLst>
+              <a:ext uri="{FF2B5EF4-FFF2-40B4-BE49-F238E27FC236}">
+                <a16:creationId xmlns:a16="http://schemas.microsoft.com/office/drawing/2014/main" id="{87B75C17-2A48-E33A-B66B-927CA792D831}"/>
+              </a:ext>
+            </a:extLst>
+          </p:cNvPr>
+          <p:cNvPicPr>
+            <a:picLocks noChangeAspect="1" noChangeArrowheads="1"/>
+          </p:cNvPicPr>
+          <p:nvPr/>
+        </p:nvPicPr>
+        <p:blipFill>
+          <a:blip r:embed="rId3">
+            <a:extLst>
+              <a:ext uri="{28A0092B-C50C-407E-A947-70E740481C1C}">
+                <a14:useLocalDpi xmlns:a14="http://schemas.microsoft.com/office/drawing/2010/main" val="0"/>
+              </a:ext>
+            </a:extLst>
+          </a:blip>
+          <a:srcRect/>
+          <a:stretch>
+            <a:fillRect/>
+          </a:stretch>
+        </p:blipFill>
+        <p:spPr bwMode="auto">
+          <a:xfrm>
+            <a:off x="1939875" y="2923470"/>
+            <a:ext cx="4099479" cy="2305957"/>
+          </a:xfrm>
+          <a:prstGeom prst="rect">
+            <a:avLst/>
+          </a:prstGeom>
+          <a:noFill/>
+          <a:extLst>
+            <a:ext uri="{909E8E84-426E-40DD-AFC4-6F175D3DCCD1}">
+              <a14:hiddenFill xmlns:a14="http://schemas.microsoft.com/office/drawing/2010/main">
+                <a:solidFill>
+                  <a:srgbClr val="FFFFFF"/>
+                </a:solidFill>
+              </a14:hiddenFill>
+            </a:ext>
+          </a:extLst>
+        </p:spPr>
+      </p:pic>
+      <p:pic>
+        <p:nvPicPr>
+          <p:cNvPr id="2052" name="Picture 4" descr="Project Jupyter | Try Jupyter">
+            <a:extLst>
+              <a:ext uri="{FF2B5EF4-FFF2-40B4-BE49-F238E27FC236}">
+                <a16:creationId xmlns:a16="http://schemas.microsoft.com/office/drawing/2014/main" id="{FC70A9A5-A2C7-C005-C6C5-A9FF775654D9}"/>
+              </a:ext>
+            </a:extLst>
+          </p:cNvPr>
+          <p:cNvPicPr>
+            <a:picLocks noChangeAspect="1" noChangeArrowheads="1"/>
+          </p:cNvPicPr>
+          <p:nvPr/>
+        </p:nvPicPr>
+        <p:blipFill>
+          <a:blip r:embed="rId4">
+            <a:extLst>
+              <a:ext uri="{28A0092B-C50C-407E-A947-70E740481C1C}">
+                <a14:useLocalDpi xmlns:a14="http://schemas.microsoft.com/office/drawing/2010/main" val="0"/>
+              </a:ext>
+            </a:extLst>
+          </a:blip>
+          <a:srcRect/>
+          <a:stretch>
+            <a:fillRect/>
+          </a:stretch>
+        </p:blipFill>
+        <p:spPr bwMode="auto">
+          <a:xfrm>
+            <a:off x="5203370" y="3167764"/>
+            <a:ext cx="3461657" cy="1817370"/>
+          </a:xfrm>
+          <a:prstGeom prst="rect">
+            <a:avLst/>
+          </a:prstGeom>
+          <a:noFill/>
+          <a:extLst>
+            <a:ext uri="{909E8E84-426E-40DD-AFC4-6F175D3DCCD1}">
+              <a14:hiddenFill xmlns:a14="http://schemas.microsoft.com/office/drawing/2010/main">
+                <a:solidFill>
+                  <a:srgbClr val="FFFFFF"/>
+                </a:solidFill>
+              </a14:hiddenFill>
+            </a:ext>
+          </a:extLst>
+        </p:spPr>
+      </p:pic>
+      <p:pic>
+        <p:nvPicPr>
+          <p:cNvPr id="2056" name="Picture 8" descr="Google Colaboratory Colab - Guía Completa Español - Marketing Branding">
+            <a:extLst>
+              <a:ext uri="{FF2B5EF4-FFF2-40B4-BE49-F238E27FC236}">
+                <a16:creationId xmlns:a16="http://schemas.microsoft.com/office/drawing/2014/main" id="{8A007768-2032-FE11-22C9-9394A0EF02EF}"/>
+              </a:ext>
+            </a:extLst>
+          </p:cNvPr>
+          <p:cNvPicPr>
+            <a:picLocks noChangeAspect="1" noChangeArrowheads="1"/>
+          </p:cNvPicPr>
+          <p:nvPr/>
+        </p:nvPicPr>
+        <p:blipFill rotWithShape="1">
+          <a:blip r:embed="rId5">
+            <a:extLst>
+              <a:ext uri="{28A0092B-C50C-407E-A947-70E740481C1C}">
+                <a14:useLocalDpi xmlns:a14="http://schemas.microsoft.com/office/drawing/2010/main" val="0"/>
+              </a:ext>
+            </a:extLst>
+          </a:blip>
+          <a:srcRect l="5865" r="10641"/>
+          <a:stretch/>
+        </p:blipFill>
+        <p:spPr bwMode="auto">
+          <a:xfrm>
+            <a:off x="8665027" y="2746576"/>
+            <a:ext cx="3331071" cy="2659743"/>
+          </a:xfrm>
+          <a:prstGeom prst="rect">
+            <a:avLst/>
+          </a:prstGeom>
+          <a:noFill/>
+          <a:extLst>
+            <a:ext uri="{909E8E84-426E-40DD-AFC4-6F175D3DCCD1}">
+              <a14:hiddenFill xmlns:a14="http://schemas.microsoft.com/office/drawing/2010/main">
+                <a:solidFill>
+                  <a:srgbClr val="FFFFFF"/>
+                </a:solidFill>
+              </a14:hiddenFill>
+            </a:ext>
+          </a:extLst>
+        </p:spPr>
+      </p:pic>
+      <p:pic>
+        <p:nvPicPr>
+          <p:cNvPr id="2058" name="Picture 10" descr="IT12A01: FUNDAMENTALS OF PYTHON PROGRAMMING (SF) (SYNCHRONOUS E-LEARNING) -  NTUC LearningHub">
+            <a:extLst>
+              <a:ext uri="{FF2B5EF4-FFF2-40B4-BE49-F238E27FC236}">
+                <a16:creationId xmlns:a16="http://schemas.microsoft.com/office/drawing/2014/main" id="{80EDF8DB-E749-8471-3ACA-2FFE3006FC46}"/>
+              </a:ext>
+            </a:extLst>
+          </p:cNvPr>
+          <p:cNvPicPr>
+            <a:picLocks noChangeAspect="1" noChangeArrowheads="1"/>
+          </p:cNvPicPr>
+          <p:nvPr/>
+        </p:nvPicPr>
+        <p:blipFill rotWithShape="1">
+          <a:blip r:embed="rId6">
+            <a:extLst>
+              <a:ext uri="{28A0092B-C50C-407E-A947-70E740481C1C}">
+                <a14:useLocalDpi xmlns:a14="http://schemas.microsoft.com/office/drawing/2010/main" val="0"/>
+              </a:ext>
+            </a:extLst>
+          </a:blip>
+          <a:srcRect l="23319" r="20198"/>
+          <a:stretch/>
+        </p:blipFill>
+        <p:spPr bwMode="auto">
+          <a:xfrm>
+            <a:off x="304800" y="3167764"/>
+            <a:ext cx="1894114" cy="1877924"/>
+          </a:xfrm>
+          <a:prstGeom prst="rect">
+            <a:avLst/>
+          </a:prstGeom>
+          <a:noFill/>
+          <a:extLst>
+            <a:ext uri="{909E8E84-426E-40DD-AFC4-6F175D3DCCD1}">
+              <a14:hiddenFill xmlns:a14="http://schemas.microsoft.com/office/drawing/2010/main">
+                <a:solidFill>
+                  <a:srgbClr val="FFFFFF"/>
+                </a:solidFill>
+              </a14:hiddenFill>
+            </a:ext>
+          </a:extLst>
+        </p:spPr>
+      </p:pic>
+      <p:sp>
+        <p:nvSpPr>
+          <p:cNvPr id="8" name="Sinal de Adição 7">
+            <a:extLst>
+              <a:ext uri="{FF2B5EF4-FFF2-40B4-BE49-F238E27FC236}">
+                <a16:creationId xmlns:a16="http://schemas.microsoft.com/office/drawing/2014/main" id="{89317CF7-D83C-5980-45A9-863C64A2BE61}"/>
+              </a:ext>
+            </a:extLst>
+          </p:cNvPr>
+          <p:cNvSpPr>
+            <a:spLocks noChangeAspect="1"/>
+          </p:cNvSpPr>
+          <p:nvPr/>
+        </p:nvSpPr>
+        <p:spPr>
+          <a:xfrm>
+            <a:off x="2198914" y="3535968"/>
+            <a:ext cx="468000" cy="468000"/>
+          </a:xfrm>
+          <a:prstGeom prst="mathPlus">
+            <a:avLst/>
+          </a:prstGeom>
+        </p:spPr>
+        <p:style>
+          <a:lnRef idx="2">
+            <a:schemeClr val="accent1">
+              <a:shade val="15000"/>
+            </a:schemeClr>
+          </a:lnRef>
+          <a:fillRef idx="1">
+            <a:schemeClr val="accent1"/>
+          </a:fillRef>
+          <a:effectRef idx="0">
+            <a:schemeClr val="accent1"/>
+          </a:effectRef>
+          <a:fontRef idx="minor">
+            <a:schemeClr val="lt1"/>
+          </a:fontRef>
+        </p:style>
+        <p:txBody>
+          <a:bodyPr rtlCol="0" anchor="ctr"/>
+          <a:lstStyle/>
+          <a:p>
+            <a:pPr algn="ctr"/>
+            <a:endParaRPr lang="pt-BR"/>
+          </a:p>
+        </p:txBody>
+      </p:sp>
+      <p:sp>
+        <p:nvSpPr>
+          <p:cNvPr id="10" name="Sinal de Adição 9">
+            <a:extLst>
+              <a:ext uri="{FF2B5EF4-FFF2-40B4-BE49-F238E27FC236}">
+                <a16:creationId xmlns:a16="http://schemas.microsoft.com/office/drawing/2014/main" id="{C6DC4B29-EABA-20F7-BB46-C33BEC93E2DD}"/>
+              </a:ext>
+            </a:extLst>
+          </p:cNvPr>
+          <p:cNvSpPr>
+            <a:spLocks noChangeAspect="1"/>
+          </p:cNvSpPr>
+          <p:nvPr/>
+        </p:nvSpPr>
+        <p:spPr>
+          <a:xfrm>
+            <a:off x="5279613" y="3535968"/>
+            <a:ext cx="468000" cy="468000"/>
+          </a:xfrm>
+          <a:prstGeom prst="mathPlus">
+            <a:avLst/>
+          </a:prstGeom>
+        </p:spPr>
+        <p:style>
+          <a:lnRef idx="2">
+            <a:schemeClr val="accent1">
+              <a:shade val="15000"/>
+            </a:schemeClr>
+          </a:lnRef>
+          <a:fillRef idx="1">
+            <a:schemeClr val="accent1"/>
+          </a:fillRef>
+          <a:effectRef idx="0">
+            <a:schemeClr val="accent1"/>
+          </a:effectRef>
+          <a:fontRef idx="minor">
+            <a:schemeClr val="lt1"/>
+          </a:fontRef>
+        </p:style>
+        <p:txBody>
+          <a:bodyPr rtlCol="0" anchor="ctr"/>
+          <a:lstStyle/>
+          <a:p>
+            <a:pPr algn="ctr"/>
+            <a:endParaRPr lang="pt-BR"/>
+          </a:p>
+        </p:txBody>
+      </p:sp>
+      <p:sp>
+        <p:nvSpPr>
+          <p:cNvPr id="11" name="Sinal de Adição 10">
+            <a:extLst>
+              <a:ext uri="{FF2B5EF4-FFF2-40B4-BE49-F238E27FC236}">
+                <a16:creationId xmlns:a16="http://schemas.microsoft.com/office/drawing/2014/main" id="{FF65B64B-136B-DCC4-8A01-509D3D5CD19F}"/>
+              </a:ext>
+            </a:extLst>
+          </p:cNvPr>
+          <p:cNvSpPr>
+            <a:spLocks noChangeAspect="1"/>
+          </p:cNvSpPr>
+          <p:nvPr/>
+        </p:nvSpPr>
+        <p:spPr>
+          <a:xfrm>
+            <a:off x="7968386" y="3533294"/>
+            <a:ext cx="468000" cy="468000"/>
+          </a:xfrm>
+          <a:prstGeom prst="mathPlus">
+            <a:avLst/>
+          </a:prstGeom>
+        </p:spPr>
+        <p:style>
+          <a:lnRef idx="2">
+            <a:schemeClr val="accent1">
+              <a:shade val="15000"/>
+            </a:schemeClr>
+          </a:lnRef>
+          <a:fillRef idx="1">
+            <a:schemeClr val="accent1"/>
+          </a:fillRef>
+          <a:effectRef idx="0">
+            <a:schemeClr val="accent1"/>
+          </a:effectRef>
+          <a:fontRef idx="minor">
+            <a:schemeClr val="lt1"/>
+          </a:fontRef>
+        </p:style>
+        <p:txBody>
+          <a:bodyPr rtlCol="0" anchor="ctr"/>
+          <a:lstStyle/>
+          <a:p>
+            <a:pPr algn="ctr"/>
+            <a:endParaRPr lang="pt-BR"/>
+          </a:p>
+        </p:txBody>
+      </p:sp>
+    </p:spTree>
+    <p:extLst>
+      <p:ext uri="{BB962C8B-B14F-4D97-AF65-F5344CB8AC3E}">
+        <p14:creationId xmlns:p14="http://schemas.microsoft.com/office/powerpoint/2010/main" val="94961935"/>
+      </p:ext>
+    </p:extLst>
+  </p:cSld>
+  <p:clrMapOvr>
+    <a:masterClrMapping/>
+  </p:clrMapOvr>
+</p:sld>
+</file>
+
+<file path=ppt/slides/slide13.xml><?xml version="1.0" encoding="utf-8"?>
+<p:sld xmlns:a="http://schemas.openxmlformats.org/drawingml/2006/main" xmlns:r="http://schemas.openxmlformats.org/officeDocument/2006/relationships" xmlns:p="http://schemas.openxmlformats.org/presentationml/2006/main">
+  <p:cSld>
+    <p:spTree>
+      <p:nvGrpSpPr>
+        <p:cNvPr id="1" name=""/>
+        <p:cNvGrpSpPr/>
+        <p:nvPr/>
+      </p:nvGrpSpPr>
+      <p:grpSpPr>
+        <a:xfrm>
+          <a:off x="0" y="0"/>
+          <a:ext cx="0" cy="0"/>
+          <a:chOff x="0" y="0"/>
+          <a:chExt cx="0" cy="0"/>
+        </a:xfrm>
+      </p:grpSpPr>
+      <p:sp>
+        <p:nvSpPr>
+          <p:cNvPr id="2" name="Título 1">
+            <a:extLst>
+              <a:ext uri="{FF2B5EF4-FFF2-40B4-BE49-F238E27FC236}">
+                <a16:creationId xmlns:a16="http://schemas.microsoft.com/office/drawing/2014/main" id="{2755BD9F-A5F9-C006-2D60-3988AFB742AA}"/>
+              </a:ext>
+            </a:extLst>
+          </p:cNvPr>
+          <p:cNvSpPr>
+            <a:spLocks noGrp="1"/>
+          </p:cNvSpPr>
+          <p:nvPr>
+            <p:ph type="title"/>
+          </p:nvPr>
+        </p:nvSpPr>
+        <p:spPr/>
+        <p:txBody>
+          <a:bodyPr/>
+          <a:lstStyle/>
+          <a:p>
+            <a:r>
+              <a:rPr lang="pt-BR" dirty="0"/>
+              <a:t>Atividades</a:t>
+            </a:r>
+          </a:p>
+        </p:txBody>
+      </p:sp>
+      <p:sp>
+        <p:nvSpPr>
+          <p:cNvPr id="3" name="Espaço Reservado para Conteúdo 2">
+            <a:extLst>
+              <a:ext uri="{FF2B5EF4-FFF2-40B4-BE49-F238E27FC236}">
+                <a16:creationId xmlns:a16="http://schemas.microsoft.com/office/drawing/2014/main" id="{DE398648-3AD3-9986-3010-6210876DC9B1}"/>
+              </a:ext>
+            </a:extLst>
+          </p:cNvPr>
+          <p:cNvSpPr>
+            <a:spLocks noGrp="1"/>
+          </p:cNvSpPr>
+          <p:nvPr>
+            <p:ph idx="1"/>
+          </p:nvPr>
+        </p:nvSpPr>
+        <p:spPr>
+          <a:xfrm>
+            <a:off x="838200" y="1825625"/>
+            <a:ext cx="10849304" cy="4351338"/>
+          </a:xfrm>
+        </p:spPr>
+        <p:txBody>
+          <a:bodyPr/>
+          <a:lstStyle/>
+          <a:p>
+            <a:r>
+              <a:rPr lang="pt-BR" dirty="0"/>
+              <a:t>Quiz: “</a:t>
+            </a:r>
+            <a:r>
+              <a:rPr lang="pt-BR" b="1" i="1" dirty="0"/>
+              <a:t>TP557 – Evitando o sobreajuste</a:t>
+            </a:r>
+            <a:r>
+              <a:rPr lang="pt-BR" dirty="0"/>
+              <a:t>”.</a:t>
+            </a:r>
+          </a:p>
+          <a:p>
+            <a:r>
+              <a:rPr lang="pt-BR" dirty="0"/>
+              <a:t>Exercício #1: Sobreajuste em dados não ruidosos.</a:t>
+            </a:r>
+          </a:p>
+        </p:txBody>
+      </p:sp>
+    </p:spTree>
+    <p:extLst>
+      <p:ext uri="{BB962C8B-B14F-4D97-AF65-F5344CB8AC3E}">
+        <p14:creationId xmlns:p14="http://schemas.microsoft.com/office/powerpoint/2010/main" val="2918520294"/>
+      </p:ext>
+    </p:extLst>
+  </p:cSld>
+  <p:clrMapOvr>
+    <a:masterClrMapping/>
+  </p:clrMapOvr>
+</p:sld>
+</file>
+
+<file path=ppt/slides/slide14.xml><?xml version="1.0" encoding="utf-8"?>
+<p:sld xmlns:a="http://schemas.openxmlformats.org/drawingml/2006/main" xmlns:r="http://schemas.openxmlformats.org/officeDocument/2006/relationships" xmlns:p="http://schemas.openxmlformats.org/presentationml/2006/main">
+  <p:cSld>
+    <p:spTree>
+      <p:nvGrpSpPr>
+        <p:cNvPr id="1" name=""/>
+        <p:cNvGrpSpPr/>
+        <p:nvPr/>
+      </p:nvGrpSpPr>
+      <p:grpSpPr>
+        <a:xfrm>
+          <a:off x="0" y="0"/>
+          <a:ext cx="0" cy="0"/>
+          <a:chOff x="0" y="0"/>
+          <a:chExt cx="0" cy="0"/>
+        </a:xfrm>
+      </p:grpSpPr>
+      <p:sp>
+        <p:nvSpPr>
+          <p:cNvPr id="4" name="Título 1">
+            <a:extLst>
+              <a:ext uri="{FF2B5EF4-FFF2-40B4-BE49-F238E27FC236}">
+                <a16:creationId xmlns:a16="http://schemas.microsoft.com/office/drawing/2014/main" id="{32666AC8-2E17-4DB4-B0F5-60C640CCFD2E}"/>
+              </a:ext>
+            </a:extLst>
+          </p:cNvPr>
+          <p:cNvSpPr txBox="1">
+            <a:spLocks/>
+          </p:cNvSpPr>
+          <p:nvPr/>
+        </p:nvSpPr>
+        <p:spPr>
+          <a:xfrm>
+            <a:off x="1431533" y="2720526"/>
+            <a:ext cx="9144000" cy="1029541"/>
+          </a:xfrm>
+          <a:prstGeom prst="rect">
+            <a:avLst/>
+          </a:prstGeom>
+        </p:spPr>
+        <p:txBody>
+          <a:bodyPr vert="horz" lIns="91440" tIns="45720" rIns="91440" bIns="45720" rtlCol="0" anchor="ctr">
+            <a:normAutofit/>
+          </a:bodyPr>
+          <a:lstStyle>
+            <a:lvl1pPr algn="l" defTabSz="914400" rtl="0" eaLnBrk="1" latinLnBrk="0" hangingPunct="1">
+              <a:lnSpc>
+                <a:spcPct val="90000"/>
+              </a:lnSpc>
+              <a:spcBef>
+                <a:spcPct val="0"/>
+              </a:spcBef>
+              <a:buNone/>
+              <a:defRPr sz="4400" kern="1200">
+                <a:solidFill>
+                  <a:schemeClr val="tx1"/>
+                </a:solidFill>
+                <a:latin typeface="+mj-lt"/>
+                <a:ea typeface="+mj-ea"/>
+                <a:cs typeface="+mj-cs"/>
+              </a:defRPr>
+            </a:lvl1pPr>
+          </a:lstStyle>
+          <a:p>
+            <a:pPr algn="ctr"/>
+            <a:r>
+              <a:rPr lang="pt-BR" sz="6600" dirty="0"/>
+              <a:t>Perguntas?</a:t>
+            </a:r>
+            <a:endParaRPr lang="pt-BR" sz="6600" b="1" i="1" dirty="0"/>
+          </a:p>
+        </p:txBody>
+      </p:sp>
+    </p:spTree>
+    <p:extLst>
+      <p:ext uri="{BB962C8B-B14F-4D97-AF65-F5344CB8AC3E}">
+        <p14:creationId xmlns:p14="http://schemas.microsoft.com/office/powerpoint/2010/main" val="1975981511"/>
+      </p:ext>
+    </p:extLst>
+  </p:cSld>
+  <p:clrMapOvr>
+    <a:masterClrMapping/>
+  </p:clrMapOvr>
+</p:sld>
+</file>
+
+<file path=ppt/slides/slide15.xml><?xml version="1.0" encoding="utf-8"?>
+<p:sld xmlns:a="http://schemas.openxmlformats.org/drawingml/2006/main" xmlns:r="http://schemas.openxmlformats.org/officeDocument/2006/relationships" xmlns:p="http://schemas.openxmlformats.org/presentationml/2006/main">
+  <p:cSld>
+    <p:spTree>
+      <p:nvGrpSpPr>
+        <p:cNvPr id="1" name=""/>
+        <p:cNvGrpSpPr/>
+        <p:nvPr/>
+      </p:nvGrpSpPr>
+      <p:grpSpPr>
+        <a:xfrm>
+          <a:off x="0" y="0"/>
+          <a:ext cx="0" cy="0"/>
+          <a:chOff x="0" y="0"/>
+          <a:chExt cx="0" cy="0"/>
+        </a:xfrm>
+      </p:grpSpPr>
+      <p:sp>
+        <p:nvSpPr>
+          <p:cNvPr id="4" name="Título 1">
+            <a:extLst>
+              <a:ext uri="{FF2B5EF4-FFF2-40B4-BE49-F238E27FC236}">
+                <a16:creationId xmlns:a16="http://schemas.microsoft.com/office/drawing/2014/main" id="{32666AC8-2E17-4DB4-B0F5-60C640CCFD2E}"/>
+              </a:ext>
+            </a:extLst>
+          </p:cNvPr>
+          <p:cNvSpPr txBox="1">
+            <a:spLocks/>
+          </p:cNvSpPr>
+          <p:nvPr/>
+        </p:nvSpPr>
+        <p:spPr>
+          <a:xfrm>
+            <a:off x="1431533" y="2720526"/>
+            <a:ext cx="9144000" cy="1029541"/>
+          </a:xfrm>
+          <a:prstGeom prst="rect">
+            <a:avLst/>
+          </a:prstGeom>
+        </p:spPr>
+        <p:txBody>
+          <a:bodyPr vert="horz" lIns="91440" tIns="45720" rIns="91440" bIns="45720" rtlCol="0" anchor="ctr">
+            <a:normAutofit/>
+          </a:bodyPr>
+          <a:lstStyle>
+            <a:lvl1pPr algn="l" defTabSz="914400" rtl="0" eaLnBrk="1" latinLnBrk="0" hangingPunct="1">
+              <a:lnSpc>
+                <a:spcPct val="90000"/>
+              </a:lnSpc>
+              <a:spcBef>
+                <a:spcPct val="0"/>
+              </a:spcBef>
+              <a:buNone/>
+              <a:defRPr sz="4400" kern="1200">
+                <a:solidFill>
+                  <a:schemeClr val="tx1"/>
+                </a:solidFill>
+                <a:latin typeface="+mj-lt"/>
+                <a:ea typeface="+mj-ea"/>
+                <a:cs typeface="+mj-cs"/>
+              </a:defRPr>
+            </a:lvl1pPr>
+          </a:lstStyle>
+          <a:p>
+            <a:pPr algn="ctr"/>
+            <a:r>
+              <a:rPr lang="pt-BR" sz="6600" dirty="0"/>
+              <a:t>Obrigado!</a:t>
+            </a:r>
+            <a:endParaRPr lang="pt-BR" sz="6600" b="1" i="1" dirty="0"/>
+          </a:p>
+        </p:txBody>
+      </p:sp>
+    </p:spTree>
+    <p:extLst>
+      <p:ext uri="{BB962C8B-B14F-4D97-AF65-F5344CB8AC3E}">
+        <p14:creationId xmlns:p14="http://schemas.microsoft.com/office/powerpoint/2010/main" val="599145874"/>
+      </p:ext>
+    </p:extLst>
+  </p:cSld>
+  <p:clrMapOvr>
+    <a:masterClrMapping/>
+  </p:clrMapOvr>
+</p:sld>
+</file>
+
 <file path=ppt/slides/slide2.xml><?xml version="1.0" encoding="utf-8"?>
 <p:sld xmlns:a="http://schemas.openxmlformats.org/drawingml/2006/main" xmlns:r="http://schemas.openxmlformats.org/officeDocument/2006/relationships" xmlns:p="http://schemas.openxmlformats.org/presentationml/2006/main">
   <p:cSld>
@@ -4791,7 +6049,68 @@
           </a:bodyPr>
           <a:lstStyle/>
           <a:p>
-            <a:endParaRPr lang="pt-BR" dirty="0"/>
+            <a:r>
+              <a:rPr lang="pt-BR" b="0" i="0" dirty="0">
+                <a:effectLst/>
+              </a:rPr>
+              <a:t>Vimos anteriormente que o sobreajuste (</a:t>
+            </a:r>
+            <a:r>
+              <a:rPr lang="pt-BR" b="0" i="1" dirty="0" err="1">
+                <a:effectLst/>
+              </a:rPr>
+              <a:t>overfitting</a:t>
+            </a:r>
+            <a:r>
+              <a:rPr lang="pt-BR" b="0" i="0" dirty="0">
+                <a:effectLst/>
+              </a:rPr>
+              <a:t>) é um fenômeno indesejado que ocorre em modelos de aprendizado de máquina, no qual o modelo se </a:t>
+            </a:r>
+            <a:r>
+              <a:rPr lang="pt-BR" b="1" i="1" dirty="0">
+                <a:solidFill>
+                  <a:srgbClr val="00B050"/>
+                </a:solidFill>
+                <a:effectLst/>
+              </a:rPr>
+              <a:t>ajusta excessivamente aos dados de treinamento</a:t>
+            </a:r>
+            <a:r>
+              <a:rPr lang="pt-BR" b="0" i="0" dirty="0">
+                <a:effectLst/>
+              </a:rPr>
+              <a:t>, em vez de generalizar bem para dados inéditos. </a:t>
+            </a:r>
+          </a:p>
+          <a:p>
+            <a:r>
+              <a:rPr lang="pt-BR" b="0" i="0" dirty="0">
+                <a:effectLst/>
+              </a:rPr>
+              <a:t>Em outras palavras, o </a:t>
+            </a:r>
+            <a:r>
+              <a:rPr lang="pt-BR" b="1" i="1" dirty="0">
+                <a:solidFill>
+                  <a:srgbClr val="00B050"/>
+                </a:solidFill>
+                <a:effectLst/>
+              </a:rPr>
+              <a:t>modelo "decora" os dados de treinamento capturando até mesmo o ruído nos dados</a:t>
+            </a:r>
+            <a:r>
+              <a:rPr lang="pt-BR" b="0" i="0" dirty="0">
+                <a:effectLst/>
+              </a:rPr>
+              <a:t> em vez de aprender um padrão geral que pode ser aplicado a exemplos desconhecidos.</a:t>
+            </a:r>
+          </a:p>
+          <a:p>
+            <a:r>
+              <a:rPr lang="pt-BR" dirty="0"/>
+              <a:t>Nesta aula, veremos algumas formas de se evitar o sobreajuste.</a:t>
+            </a:r>
           </a:p>
         </p:txBody>
       </p:sp>
@@ -4830,7 +6149,7 @@
           <p:cNvPr id="2" name="Título 1">
             <a:extLst>
               <a:ext uri="{FF2B5EF4-FFF2-40B4-BE49-F238E27FC236}">
-                <a16:creationId xmlns:a16="http://schemas.microsoft.com/office/drawing/2014/main" id="{9CD00B3E-85D7-8B25-6629-4A85FF36133A}"/>
+                <a16:creationId xmlns:a16="http://schemas.microsoft.com/office/drawing/2014/main" id="{44171677-0DA6-0EA4-AABC-F9A0125F7A1C}"/>
               </a:ext>
             </a:extLst>
           </p:cNvPr>
@@ -4848,7 +6167,7 @@
           <a:p>
             <a:r>
               <a:rPr lang="pt-BR" dirty="0"/>
-              <a:t>Exemplo</a:t>
+              <a:t>Sobreajuste</a:t>
             </a:r>
           </a:p>
         </p:txBody>
@@ -4858,7 +6177,7 @@
           <p:cNvPr id="3" name="Espaço Reservado para Conteúdo 2">
             <a:extLst>
               <a:ext uri="{FF2B5EF4-FFF2-40B4-BE49-F238E27FC236}">
-                <a16:creationId xmlns:a16="http://schemas.microsoft.com/office/drawing/2014/main" id="{9730104F-E6BA-B308-644A-11A7E4939EBD}"/>
+                <a16:creationId xmlns:a16="http://schemas.microsoft.com/office/drawing/2014/main" id="{1578AC6E-9849-E110-636E-7C2D924C2F64}"/>
               </a:ext>
             </a:extLst>
           </p:cNvPr>
@@ -4871,27 +6190,47 @@
         </p:nvSpPr>
         <p:spPr>
           <a:xfrm>
-            <a:off x="838200" y="1825625"/>
-            <a:ext cx="11157898" cy="4351338"/>
+            <a:off x="5691883" y="1825624"/>
+            <a:ext cx="6318607" cy="5032375"/>
           </a:xfrm>
         </p:spPr>
         <p:txBody>
-          <a:bodyPr/>
+          <a:bodyPr>
+            <a:normAutofit/>
+          </a:bodyPr>
           <a:lstStyle/>
           <a:p>
             <a:r>
               <a:rPr lang="pt-BR" dirty="0"/>
-              <a:t>Exemplo:</a:t>
+              <a:t>A figura mostra 11 amostras ruidosas, as quais são aproximadamente lineares.</a:t>
+            </a:r>
+          </a:p>
+          <a:p>
+            <a:r>
+              <a:rPr lang="pt-BR" dirty="0"/>
+              <a:t>Elas são aproximadas por uma reta e um polinômio de ordem 11. </a:t>
+            </a:r>
+          </a:p>
+          <a:p>
+            <a:r>
+              <a:rPr lang="pt-BR" dirty="0"/>
+              <a:t>Embora o polinômio se ajuste perfeitamente aos dados ruidosos, pode-se esperar que a reta generalize melhor. </a:t>
+            </a:r>
+          </a:p>
+          <a:p>
+            <a:r>
+              <a:rPr lang="pt-BR" dirty="0"/>
+              <a:t>Se as duas funções forem usadas para extrapolar além das 11 amostras, a reta deve fazer melhores predições.</a:t>
             </a:r>
           </a:p>
         </p:txBody>
       </p:sp>
       <p:pic>
         <p:nvPicPr>
-          <p:cNvPr id="2050" name="Picture 2" descr="TensorFlow">
-            <a:extLst>
-              <a:ext uri="{FF2B5EF4-FFF2-40B4-BE49-F238E27FC236}">
-                <a16:creationId xmlns:a16="http://schemas.microsoft.com/office/drawing/2014/main" id="{87B75C17-2A48-E33A-B66B-927CA792D831}"/>
+          <p:cNvPr id="1028" name="Picture 4">
+            <a:extLst>
+              <a:ext uri="{FF2B5EF4-FFF2-40B4-BE49-F238E27FC236}">
+                <a16:creationId xmlns:a16="http://schemas.microsoft.com/office/drawing/2014/main" id="{F226FF0E-2384-5A28-B8CB-B3AEB327795A}"/>
               </a:ext>
             </a:extLst>
           </p:cNvPr>
@@ -4901,7 +6240,7 @@
           <p:nvPr/>
         </p:nvPicPr>
         <p:blipFill>
-          <a:blip r:embed="rId3">
+          <a:blip r:embed="rId2">
             <a:extLst>
               <a:ext uri="{28A0092B-C50C-407E-A947-70E740481C1C}">
                 <a14:useLocalDpi xmlns:a14="http://schemas.microsoft.com/office/drawing/2010/main" val="0"/>
@@ -4915,8 +6254,8 @@
         </p:blipFill>
         <p:spPr bwMode="auto">
           <a:xfrm>
-            <a:off x="1939875" y="2923470"/>
-            <a:ext cx="4099479" cy="2305957"/>
+            <a:off x="653264" y="2393877"/>
+            <a:ext cx="4337444" cy="3201796"/>
           </a:xfrm>
           <a:prstGeom prst="rect">
             <a:avLst/>
@@ -4933,291 +6272,10 @@
           </a:extLst>
         </p:spPr>
       </p:pic>
-      <p:pic>
-        <p:nvPicPr>
-          <p:cNvPr id="2052" name="Picture 4" descr="Project Jupyter | Try Jupyter">
-            <a:extLst>
-              <a:ext uri="{FF2B5EF4-FFF2-40B4-BE49-F238E27FC236}">
-                <a16:creationId xmlns:a16="http://schemas.microsoft.com/office/drawing/2014/main" id="{FC70A9A5-A2C7-C005-C6C5-A9FF775654D9}"/>
-              </a:ext>
-            </a:extLst>
-          </p:cNvPr>
-          <p:cNvPicPr>
-            <a:picLocks noChangeAspect="1" noChangeArrowheads="1"/>
-          </p:cNvPicPr>
-          <p:nvPr/>
-        </p:nvPicPr>
-        <p:blipFill>
-          <a:blip r:embed="rId4">
-            <a:extLst>
-              <a:ext uri="{28A0092B-C50C-407E-A947-70E740481C1C}">
-                <a14:useLocalDpi xmlns:a14="http://schemas.microsoft.com/office/drawing/2010/main" val="0"/>
-              </a:ext>
-            </a:extLst>
-          </a:blip>
-          <a:srcRect/>
-          <a:stretch>
-            <a:fillRect/>
-          </a:stretch>
-        </p:blipFill>
-        <p:spPr bwMode="auto">
-          <a:xfrm>
-            <a:off x="5203370" y="3167764"/>
-            <a:ext cx="3461657" cy="1817370"/>
-          </a:xfrm>
-          <a:prstGeom prst="rect">
-            <a:avLst/>
-          </a:prstGeom>
-          <a:noFill/>
-          <a:extLst>
-            <a:ext uri="{909E8E84-426E-40DD-AFC4-6F175D3DCCD1}">
-              <a14:hiddenFill xmlns:a14="http://schemas.microsoft.com/office/drawing/2010/main">
-                <a:solidFill>
-                  <a:srgbClr val="FFFFFF"/>
-                </a:solidFill>
-              </a14:hiddenFill>
-            </a:ext>
-          </a:extLst>
-        </p:spPr>
-      </p:pic>
-      <p:pic>
-        <p:nvPicPr>
-          <p:cNvPr id="2056" name="Picture 8" descr="Google Colaboratory Colab - Guía Completa Español - Marketing Branding">
-            <a:extLst>
-              <a:ext uri="{FF2B5EF4-FFF2-40B4-BE49-F238E27FC236}">
-                <a16:creationId xmlns:a16="http://schemas.microsoft.com/office/drawing/2014/main" id="{8A007768-2032-FE11-22C9-9394A0EF02EF}"/>
-              </a:ext>
-            </a:extLst>
-          </p:cNvPr>
-          <p:cNvPicPr>
-            <a:picLocks noChangeAspect="1" noChangeArrowheads="1"/>
-          </p:cNvPicPr>
-          <p:nvPr/>
-        </p:nvPicPr>
-        <p:blipFill rotWithShape="1">
-          <a:blip r:embed="rId5">
-            <a:extLst>
-              <a:ext uri="{28A0092B-C50C-407E-A947-70E740481C1C}">
-                <a14:useLocalDpi xmlns:a14="http://schemas.microsoft.com/office/drawing/2010/main" val="0"/>
-              </a:ext>
-            </a:extLst>
-          </a:blip>
-          <a:srcRect l="5865" r="10641"/>
-          <a:stretch/>
-        </p:blipFill>
-        <p:spPr bwMode="auto">
-          <a:xfrm>
-            <a:off x="8665027" y="2746576"/>
-            <a:ext cx="3331071" cy="2659743"/>
-          </a:xfrm>
-          <a:prstGeom prst="rect">
-            <a:avLst/>
-          </a:prstGeom>
-          <a:noFill/>
-          <a:extLst>
-            <a:ext uri="{909E8E84-426E-40DD-AFC4-6F175D3DCCD1}">
-              <a14:hiddenFill xmlns:a14="http://schemas.microsoft.com/office/drawing/2010/main">
-                <a:solidFill>
-                  <a:srgbClr val="FFFFFF"/>
-                </a:solidFill>
-              </a14:hiddenFill>
-            </a:ext>
-          </a:extLst>
-        </p:spPr>
-      </p:pic>
-      <p:pic>
-        <p:nvPicPr>
-          <p:cNvPr id="2058" name="Picture 10" descr="IT12A01: FUNDAMENTALS OF PYTHON PROGRAMMING (SF) (SYNCHRONOUS E-LEARNING) -  NTUC LearningHub">
-            <a:extLst>
-              <a:ext uri="{FF2B5EF4-FFF2-40B4-BE49-F238E27FC236}">
-                <a16:creationId xmlns:a16="http://schemas.microsoft.com/office/drawing/2014/main" id="{80EDF8DB-E749-8471-3ACA-2FFE3006FC46}"/>
-              </a:ext>
-            </a:extLst>
-          </p:cNvPr>
-          <p:cNvPicPr>
-            <a:picLocks noChangeAspect="1" noChangeArrowheads="1"/>
-          </p:cNvPicPr>
-          <p:nvPr/>
-        </p:nvPicPr>
-        <p:blipFill rotWithShape="1">
-          <a:blip r:embed="rId6">
-            <a:extLst>
-              <a:ext uri="{28A0092B-C50C-407E-A947-70E740481C1C}">
-                <a14:useLocalDpi xmlns:a14="http://schemas.microsoft.com/office/drawing/2010/main" val="0"/>
-              </a:ext>
-            </a:extLst>
-          </a:blip>
-          <a:srcRect l="23319" r="20198"/>
-          <a:stretch/>
-        </p:blipFill>
-        <p:spPr bwMode="auto">
-          <a:xfrm>
-            <a:off x="304800" y="3167764"/>
-            <a:ext cx="1894114" cy="1877924"/>
-          </a:xfrm>
-          <a:prstGeom prst="rect">
-            <a:avLst/>
-          </a:prstGeom>
-          <a:noFill/>
-          <a:extLst>
-            <a:ext uri="{909E8E84-426E-40DD-AFC4-6F175D3DCCD1}">
-              <a14:hiddenFill xmlns:a14="http://schemas.microsoft.com/office/drawing/2010/main">
-                <a:solidFill>
-                  <a:srgbClr val="FFFFFF"/>
-                </a:solidFill>
-              </a14:hiddenFill>
-            </a:ext>
-          </a:extLst>
-        </p:spPr>
-      </p:pic>
-      <p:sp>
-        <p:nvSpPr>
-          <p:cNvPr id="8" name="Sinal de Adição 7">
-            <a:extLst>
-              <a:ext uri="{FF2B5EF4-FFF2-40B4-BE49-F238E27FC236}">
-                <a16:creationId xmlns:a16="http://schemas.microsoft.com/office/drawing/2014/main" id="{89317CF7-D83C-5980-45A9-863C64A2BE61}"/>
-              </a:ext>
-            </a:extLst>
-          </p:cNvPr>
-          <p:cNvSpPr>
-            <a:spLocks noChangeAspect="1"/>
-          </p:cNvSpPr>
-          <p:nvPr/>
-        </p:nvSpPr>
-        <p:spPr>
-          <a:xfrm>
-            <a:off x="2198914" y="3535968"/>
-            <a:ext cx="468000" cy="468000"/>
-          </a:xfrm>
-          <a:prstGeom prst="mathPlus">
-            <a:avLst/>
-          </a:prstGeom>
-        </p:spPr>
-        <p:style>
-          <a:lnRef idx="2">
-            <a:schemeClr val="accent1">
-              <a:shade val="15000"/>
-            </a:schemeClr>
-          </a:lnRef>
-          <a:fillRef idx="1">
-            <a:schemeClr val="accent1"/>
-          </a:fillRef>
-          <a:effectRef idx="0">
-            <a:schemeClr val="accent1"/>
-          </a:effectRef>
-          <a:fontRef idx="minor">
-            <a:schemeClr val="lt1"/>
-          </a:fontRef>
-        </p:style>
-        <p:txBody>
-          <a:bodyPr rtlCol="0" anchor="ctr"/>
-          <a:lstStyle/>
-          <a:p>
-            <a:pPr algn="ctr"/>
-            <a:endParaRPr lang="pt-BR"/>
-          </a:p>
-        </p:txBody>
-      </p:sp>
-      <p:sp>
-        <p:nvSpPr>
-          <p:cNvPr id="10" name="Sinal de Adição 9">
-            <a:extLst>
-              <a:ext uri="{FF2B5EF4-FFF2-40B4-BE49-F238E27FC236}">
-                <a16:creationId xmlns:a16="http://schemas.microsoft.com/office/drawing/2014/main" id="{C6DC4B29-EABA-20F7-BB46-C33BEC93E2DD}"/>
-              </a:ext>
-            </a:extLst>
-          </p:cNvPr>
-          <p:cNvSpPr>
-            <a:spLocks noChangeAspect="1"/>
-          </p:cNvSpPr>
-          <p:nvPr/>
-        </p:nvSpPr>
-        <p:spPr>
-          <a:xfrm>
-            <a:off x="5279613" y="3535968"/>
-            <a:ext cx="468000" cy="468000"/>
-          </a:xfrm>
-          <a:prstGeom prst="mathPlus">
-            <a:avLst/>
-          </a:prstGeom>
-        </p:spPr>
-        <p:style>
-          <a:lnRef idx="2">
-            <a:schemeClr val="accent1">
-              <a:shade val="15000"/>
-            </a:schemeClr>
-          </a:lnRef>
-          <a:fillRef idx="1">
-            <a:schemeClr val="accent1"/>
-          </a:fillRef>
-          <a:effectRef idx="0">
-            <a:schemeClr val="accent1"/>
-          </a:effectRef>
-          <a:fontRef idx="minor">
-            <a:schemeClr val="lt1"/>
-          </a:fontRef>
-        </p:style>
-        <p:txBody>
-          <a:bodyPr rtlCol="0" anchor="ctr"/>
-          <a:lstStyle/>
-          <a:p>
-            <a:pPr algn="ctr"/>
-            <a:endParaRPr lang="pt-BR"/>
-          </a:p>
-        </p:txBody>
-      </p:sp>
-      <p:sp>
-        <p:nvSpPr>
-          <p:cNvPr id="11" name="Sinal de Adição 10">
-            <a:extLst>
-              <a:ext uri="{FF2B5EF4-FFF2-40B4-BE49-F238E27FC236}">
-                <a16:creationId xmlns:a16="http://schemas.microsoft.com/office/drawing/2014/main" id="{FF65B64B-136B-DCC4-8A01-509D3D5CD19F}"/>
-              </a:ext>
-            </a:extLst>
-          </p:cNvPr>
-          <p:cNvSpPr>
-            <a:spLocks noChangeAspect="1"/>
-          </p:cNvSpPr>
-          <p:nvPr/>
-        </p:nvSpPr>
-        <p:spPr>
-          <a:xfrm>
-            <a:off x="7968386" y="3533294"/>
-            <a:ext cx="468000" cy="468000"/>
-          </a:xfrm>
-          <a:prstGeom prst="mathPlus">
-            <a:avLst/>
-          </a:prstGeom>
-        </p:spPr>
-        <p:style>
-          <a:lnRef idx="2">
-            <a:schemeClr val="accent1">
-              <a:shade val="15000"/>
-            </a:schemeClr>
-          </a:lnRef>
-          <a:fillRef idx="1">
-            <a:schemeClr val="accent1"/>
-          </a:fillRef>
-          <a:effectRef idx="0">
-            <a:schemeClr val="accent1"/>
-          </a:effectRef>
-          <a:fontRef idx="minor">
-            <a:schemeClr val="lt1"/>
-          </a:fontRef>
-        </p:style>
-        <p:txBody>
-          <a:bodyPr rtlCol="0" anchor="ctr"/>
-          <a:lstStyle/>
-          <a:p>
-            <a:pPr algn="ctr"/>
-            <a:endParaRPr lang="pt-BR"/>
-          </a:p>
-        </p:txBody>
-      </p:sp>
     </p:spTree>
     <p:extLst>
       <p:ext uri="{BB962C8B-B14F-4D97-AF65-F5344CB8AC3E}">
-        <p14:creationId xmlns:p14="http://schemas.microsoft.com/office/powerpoint/2010/main" val="94961935"/>
+        <p14:creationId xmlns:p14="http://schemas.microsoft.com/office/powerpoint/2010/main" val="2087237901"/>
       </p:ext>
     </p:extLst>
   </p:cSld>
@@ -5249,7 +6307,7 @@
           <p:cNvPr id="2" name="Título 1">
             <a:extLst>
               <a:ext uri="{FF2B5EF4-FFF2-40B4-BE49-F238E27FC236}">
-                <a16:creationId xmlns:a16="http://schemas.microsoft.com/office/drawing/2014/main" id="{2755BD9F-A5F9-C006-2D60-3988AFB742AA}"/>
+                <a16:creationId xmlns:a16="http://schemas.microsoft.com/office/drawing/2014/main" id="{44171677-0DA6-0EA4-AABC-F9A0125F7A1C}"/>
               </a:ext>
             </a:extLst>
           </p:cNvPr>
@@ -5267,7 +6325,7 @@
           <a:p>
             <a:r>
               <a:rPr lang="pt-BR" dirty="0"/>
-              <a:t>Atividades</a:t>
+              <a:t>Sensibilidade</a:t>
             </a:r>
           </a:p>
         </p:txBody>
@@ -5277,7 +6335,7 @@
           <p:cNvPr id="3" name="Espaço Reservado para Conteúdo 2">
             <a:extLst>
               <a:ext uri="{FF2B5EF4-FFF2-40B4-BE49-F238E27FC236}">
-                <a16:creationId xmlns:a16="http://schemas.microsoft.com/office/drawing/2014/main" id="{DE398648-3AD3-9986-3010-6210876DC9B1}"/>
+                <a16:creationId xmlns:a16="http://schemas.microsoft.com/office/drawing/2014/main" id="{1578AC6E-9849-E110-636E-7C2D924C2F64}"/>
               </a:ext>
             </a:extLst>
           </p:cNvPr>
@@ -5290,39 +6348,146 @@
         </p:nvSpPr>
         <p:spPr>
           <a:xfrm>
-            <a:off x="838200" y="1825625"/>
-            <a:ext cx="10849304" cy="4351338"/>
+            <a:off x="5691883" y="1825624"/>
+            <a:ext cx="6318607" cy="5032375"/>
           </a:xfrm>
         </p:spPr>
         <p:txBody>
-          <a:bodyPr/>
+          <a:bodyPr>
+            <a:normAutofit lnSpcReduction="10000"/>
+          </a:bodyPr>
           <a:lstStyle/>
           <a:p>
             <a:r>
               <a:rPr lang="pt-BR" dirty="0"/>
-              <a:t>Quiz: “</a:t>
-            </a:r>
-            <a:r>
-              <a:rPr lang="pt-BR" b="1" i="1" dirty="0"/>
-              <a:t>TP557 – </a:t>
-            </a:r>
+              <a:t>A essência do sobreajuste é extrair, sem saber, parte da variação residual (ou seja, o ruído), como se essa variação representasse o padrão geral por trás dos dados.</a:t>
+            </a:r>
+          </a:p>
+          <a:p>
             <a:r>
               <a:rPr lang="pt-BR" dirty="0"/>
-              <a:t>”.</a:t>
+              <a:t>Um modelo muito flexível apresenta alta variância.</a:t>
             </a:r>
           </a:p>
           <a:p>
             <a:r>
               <a:rPr lang="pt-BR" dirty="0"/>
-              <a:t>Exercício:</a:t>
-            </a:r>
+              <a:t>Isso</a:t>
+            </a:r>
+            <a:r>
+              <a:rPr lang="pt-BR" b="0" i="0" dirty="0">
+                <a:effectLst/>
+              </a:rPr>
+              <a:t> significa que o modelo é muito sensível às variações nos dados de treinamento.</a:t>
+            </a:r>
+            <a:endParaRPr lang="pt-BR" dirty="0"/>
+          </a:p>
+          <a:p>
+            <a:r>
+              <a:rPr lang="pt-BR" dirty="0"/>
+              <a:t>Ou seja, ele irá se ajustar tão bem aos dados que vai aprender até o ruído presente nas amostras.</a:t>
+            </a:r>
+          </a:p>
+          <a:p>
+            <a:endParaRPr lang="pt-BR" dirty="0"/>
+          </a:p>
+        </p:txBody>
+      </p:sp>
+      <p:pic>
+        <p:nvPicPr>
+          <p:cNvPr id="2050" name="Picture 2">
+            <a:extLst>
+              <a:ext uri="{FF2B5EF4-FFF2-40B4-BE49-F238E27FC236}">
+                <a16:creationId xmlns:a16="http://schemas.microsoft.com/office/drawing/2014/main" id="{C5EA6DD7-9C22-986C-BD49-8D6BFDCF0FE9}"/>
+              </a:ext>
+            </a:extLst>
+          </p:cNvPr>
+          <p:cNvPicPr>
+            <a:picLocks noChangeAspect="1" noChangeArrowheads="1"/>
+          </p:cNvPicPr>
+          <p:nvPr/>
+        </p:nvPicPr>
+        <p:blipFill>
+          <a:blip r:embed="rId3">
+            <a:extLst>
+              <a:ext uri="{28A0092B-C50C-407E-A947-70E740481C1C}">
+                <a14:useLocalDpi xmlns:a14="http://schemas.microsoft.com/office/drawing/2010/main" val="0"/>
+              </a:ext>
+            </a:extLst>
+          </a:blip>
+          <a:srcRect/>
+          <a:stretch>
+            <a:fillRect/>
+          </a:stretch>
+        </p:blipFill>
+        <p:spPr bwMode="auto">
+          <a:xfrm>
+            <a:off x="440096" y="2311686"/>
+            <a:ext cx="4742523" cy="3554858"/>
+          </a:xfrm>
+          <a:prstGeom prst="rect">
+            <a:avLst/>
+          </a:prstGeom>
+          <a:noFill/>
+          <a:extLst>
+            <a:ext uri="{909E8E84-426E-40DD-AFC4-6F175D3DCCD1}">
+              <a14:hiddenFill xmlns:a14="http://schemas.microsoft.com/office/drawing/2010/main">
+                <a:solidFill>
+                  <a:srgbClr val="FFFFFF"/>
+                </a:solidFill>
+              </a14:hiddenFill>
+            </a:ext>
+          </a:extLst>
+        </p:spPr>
+      </p:pic>
+      <p:sp>
+        <p:nvSpPr>
+          <p:cNvPr id="5" name="CaixaDeTexto 4">
+            <a:extLst>
+              <a:ext uri="{FF2B5EF4-FFF2-40B4-BE49-F238E27FC236}">
+                <a16:creationId xmlns:a16="http://schemas.microsoft.com/office/drawing/2014/main" id="{707D2044-CCF1-7544-EB1E-7E7CB8AA9AA1}"/>
+              </a:ext>
+            </a:extLst>
+          </p:cNvPr>
+          <p:cNvSpPr txBox="1"/>
+          <p:nvPr/>
+        </p:nvSpPr>
+        <p:spPr>
+          <a:xfrm>
+            <a:off x="0" y="6581000"/>
+            <a:ext cx="2777447" cy="276999"/>
+          </a:xfrm>
+          <a:prstGeom prst="rect">
+            <a:avLst/>
+          </a:prstGeom>
+          <a:noFill/>
+        </p:spPr>
+        <p:txBody>
+          <a:bodyPr wrap="square">
+            <a:spAutoFit/>
+          </a:bodyPr>
+          <a:lstStyle/>
+          <a:p>
+            <a:r>
+              <a:rPr lang="pt-BR" sz="1200" dirty="0">
+                <a:hlinkClick r:id="rId4"/>
+              </a:rPr>
+              <a:t>Exemplo: </a:t>
+            </a:r>
+            <a:r>
+              <a:rPr lang="pt-BR" sz="1200" dirty="0" err="1">
+                <a:hlinkClick r:id="rId4"/>
+              </a:rPr>
+              <a:t>Overffiting.ipynb</a:t>
+            </a:r>
+            <a:endParaRPr lang="pt-BR" sz="1200" dirty="0"/>
           </a:p>
         </p:txBody>
       </p:sp>
     </p:spTree>
     <p:extLst>
       <p:ext uri="{BB962C8B-B14F-4D97-AF65-F5344CB8AC3E}">
-        <p14:creationId xmlns:p14="http://schemas.microsoft.com/office/powerpoint/2010/main" val="2918520294"/>
+        <p14:creationId xmlns:p14="http://schemas.microsoft.com/office/powerpoint/2010/main" val="2265765677"/>
       </p:ext>
     </p:extLst>
   </p:cSld>
@@ -5351,64 +6516,105 @@
       </p:grpSpPr>
       <p:sp>
         <p:nvSpPr>
-          <p:cNvPr id="4" name="Título 1">
-            <a:extLst>
-              <a:ext uri="{FF2B5EF4-FFF2-40B4-BE49-F238E27FC236}">
-                <a16:creationId xmlns:a16="http://schemas.microsoft.com/office/drawing/2014/main" id="{32666AC8-2E17-4DB4-B0F5-60C640CCFD2E}"/>
-              </a:ext>
-            </a:extLst>
-          </p:cNvPr>
-          <p:cNvSpPr txBox="1">
-            <a:spLocks/>
-          </p:cNvSpPr>
-          <p:nvPr/>
+          <p:cNvPr id="2" name="Título 1">
+            <a:extLst>
+              <a:ext uri="{FF2B5EF4-FFF2-40B4-BE49-F238E27FC236}">
+                <a16:creationId xmlns:a16="http://schemas.microsoft.com/office/drawing/2014/main" id="{B486B566-D571-BD6F-E0D3-18E76F021E1D}"/>
+              </a:ext>
+            </a:extLst>
+          </p:cNvPr>
+          <p:cNvSpPr>
+            <a:spLocks noGrp="1"/>
+          </p:cNvSpPr>
+          <p:nvPr>
+            <p:ph type="title"/>
+          </p:nvPr>
+        </p:nvSpPr>
+        <p:spPr/>
+        <p:txBody>
+          <a:bodyPr/>
+          <a:lstStyle/>
+          <a:p>
+            <a:r>
+              <a:rPr lang="pt-BR" dirty="0"/>
+              <a:t>Causas do sobreajuste</a:t>
+            </a:r>
+          </a:p>
+        </p:txBody>
+      </p:sp>
+      <p:sp>
+        <p:nvSpPr>
+          <p:cNvPr id="3" name="Espaço Reservado para Conteúdo 2">
+            <a:extLst>
+              <a:ext uri="{FF2B5EF4-FFF2-40B4-BE49-F238E27FC236}">
+                <a16:creationId xmlns:a16="http://schemas.microsoft.com/office/drawing/2014/main" id="{8E25C1B5-093D-0D16-1FAC-FAB201CB8554}"/>
+              </a:ext>
+            </a:extLst>
+          </p:cNvPr>
+          <p:cNvSpPr>
+            <a:spLocks noGrp="1"/>
+          </p:cNvSpPr>
+          <p:nvPr>
+            <p:ph idx="1"/>
+          </p:nvPr>
         </p:nvSpPr>
         <p:spPr>
           <a:xfrm>
-            <a:off x="1431533" y="2720526"/>
-            <a:ext cx="9144000" cy="1029541"/>
+            <a:off x="838199" y="1825624"/>
+            <a:ext cx="10997629" cy="5032375"/>
           </a:xfrm>
-          <a:prstGeom prst="rect">
-            <a:avLst/>
-          </a:prstGeom>
         </p:spPr>
         <p:txBody>
-          <a:bodyPr vert="horz" lIns="91440" tIns="45720" rIns="91440" bIns="45720" rtlCol="0" anchor="ctr">
-            <a:normAutofit/>
-          </a:bodyPr>
-          <a:lstStyle>
-            <a:lvl1pPr algn="l" defTabSz="914400" rtl="0" eaLnBrk="1" latinLnBrk="0" hangingPunct="1">
-              <a:lnSpc>
-                <a:spcPct val="90000"/>
-              </a:lnSpc>
-              <a:spcBef>
-                <a:spcPct val="0"/>
-              </a:spcBef>
-              <a:buNone/>
-              <a:defRPr sz="4400" kern="1200">
-                <a:solidFill>
-                  <a:schemeClr val="tx1"/>
-                </a:solidFill>
-                <a:latin typeface="+mj-lt"/>
-                <a:ea typeface="+mj-ea"/>
-                <a:cs typeface="+mj-cs"/>
-              </a:defRPr>
-            </a:lvl1pPr>
-          </a:lstStyle>
-          <a:p>
-            <a:pPr algn="ctr"/>
-            <a:r>
-              <a:rPr lang="pt-BR" sz="6600" dirty="0"/>
-              <a:t>Perguntas?</a:t>
-            </a:r>
-            <a:endParaRPr lang="pt-BR" sz="6600" b="1" i="1" dirty="0"/>
+          <a:bodyPr/>
+          <a:lstStyle/>
+          <a:p>
+            <a:r>
+              <a:rPr lang="pt-BR" b="1" i="0" dirty="0">
+                <a:effectLst/>
+              </a:rPr>
+              <a:t>Modelo complexo:</a:t>
+            </a:r>
+            <a:r>
+              <a:rPr lang="pt-BR" b="0" i="0" dirty="0">
+                <a:effectLst/>
+              </a:rPr>
+              <a:t> Um modelo muito complexo, com muitos parâmetros, tem uma alta capacidade (ou flexibilidade) de representação e pode se ajustar demais aos dados.</a:t>
+            </a:r>
+          </a:p>
+          <a:p>
+            <a:r>
+              <a:rPr lang="pt-BR" b="1" i="0" dirty="0">
+                <a:effectLst/>
+              </a:rPr>
+              <a:t>Dados insuficientes:</a:t>
+            </a:r>
+            <a:r>
+              <a:rPr lang="pt-BR" b="0" i="0" dirty="0">
+                <a:effectLst/>
+              </a:rPr>
+              <a:t> Quando os dados de treinamento são limitados em quantidade, o modelo pode não ter informações suficientes para generalizar adequadamente.</a:t>
+            </a:r>
+          </a:p>
+          <a:p>
+            <a:r>
+              <a:rPr lang="pt-BR" b="1" i="0" dirty="0">
+                <a:effectLst/>
+              </a:rPr>
+              <a:t>Ruído nos dados:</a:t>
+            </a:r>
+            <a:r>
+              <a:rPr lang="pt-BR" b="0" i="0" dirty="0">
+                <a:effectLst/>
+              </a:rPr>
+              <a:t> A presença de ruído ou outliers nos dados de treinamento pode fazer com que o modelo tente ajustar-se a essas variações aleatórias.</a:t>
+            </a:r>
           </a:p>
         </p:txBody>
       </p:sp>
     </p:spTree>
     <p:extLst>
       <p:ext uri="{BB962C8B-B14F-4D97-AF65-F5344CB8AC3E}">
-        <p14:creationId xmlns:p14="http://schemas.microsoft.com/office/powerpoint/2010/main" val="1975981511"/>
+        <p14:creationId xmlns:p14="http://schemas.microsoft.com/office/powerpoint/2010/main" val="3336857681"/>
       </p:ext>
     </p:extLst>
   </p:cSld>
@@ -5437,64 +6643,936 @@
       </p:grpSpPr>
       <p:sp>
         <p:nvSpPr>
-          <p:cNvPr id="4" name="Título 1">
-            <a:extLst>
-              <a:ext uri="{FF2B5EF4-FFF2-40B4-BE49-F238E27FC236}">
-                <a16:creationId xmlns:a16="http://schemas.microsoft.com/office/drawing/2014/main" id="{32666AC8-2E17-4DB4-B0F5-60C640CCFD2E}"/>
-              </a:ext>
-            </a:extLst>
-          </p:cNvPr>
-          <p:cNvSpPr txBox="1">
-            <a:spLocks/>
-          </p:cNvSpPr>
-          <p:nvPr/>
+          <p:cNvPr id="2" name="Título 1">
+            <a:extLst>
+              <a:ext uri="{FF2B5EF4-FFF2-40B4-BE49-F238E27FC236}">
+                <a16:creationId xmlns:a16="http://schemas.microsoft.com/office/drawing/2014/main" id="{F64A88D9-2D97-A5AC-70C5-4C08644355AE}"/>
+              </a:ext>
+            </a:extLst>
+          </p:cNvPr>
+          <p:cNvSpPr>
+            <a:spLocks noGrp="1"/>
+          </p:cNvSpPr>
+          <p:nvPr>
+            <p:ph type="title"/>
+          </p:nvPr>
+        </p:nvSpPr>
+        <p:spPr/>
+        <p:txBody>
+          <a:bodyPr/>
+          <a:lstStyle/>
+          <a:p>
+            <a:r>
+              <a:rPr lang="pt-BR" dirty="0"/>
+              <a:t>Como detectar o sobreajuste</a:t>
+            </a:r>
+          </a:p>
+        </p:txBody>
+      </p:sp>
+      <p:sp>
+        <p:nvSpPr>
+          <p:cNvPr id="3" name="Espaço Reservado para Conteúdo 2">
+            <a:extLst>
+              <a:ext uri="{FF2B5EF4-FFF2-40B4-BE49-F238E27FC236}">
+                <a16:creationId xmlns:a16="http://schemas.microsoft.com/office/drawing/2014/main" id="{E3DFD790-B161-AACA-37D4-2B1B5B84E569}"/>
+              </a:ext>
+            </a:extLst>
+          </p:cNvPr>
+          <p:cNvSpPr>
+            <a:spLocks noGrp="1"/>
+          </p:cNvSpPr>
+          <p:nvPr>
+            <p:ph idx="1"/>
+          </p:nvPr>
         </p:nvSpPr>
         <p:spPr>
           <a:xfrm>
-            <a:off x="1431533" y="2720526"/>
-            <a:ext cx="9144000" cy="1029541"/>
+            <a:off x="5630238" y="1825624"/>
+            <a:ext cx="6359704" cy="5032375"/>
+          </a:xfrm>
+        </p:spPr>
+        <p:txBody>
+          <a:bodyPr/>
+          <a:lstStyle/>
+          <a:p>
+            <a:r>
+              <a:rPr lang="pt-BR" b="1" i="0" dirty="0">
+                <a:effectLst/>
+              </a:rPr>
+              <a:t>Conjunto de Validação: </a:t>
+            </a:r>
+            <a:r>
+              <a:rPr lang="pt-BR" b="0" i="0" dirty="0">
+                <a:effectLst/>
+              </a:rPr>
+              <a:t>Dividir o conjunto total de em um conjunto de treinamento e um conjunto de validação e avaliar o erro em ambos os conjuntos.</a:t>
+            </a:r>
+          </a:p>
+          <a:p>
+            <a:r>
+              <a:rPr lang="pt-BR" b="0" i="0" dirty="0">
+                <a:effectLst/>
+              </a:rPr>
+              <a:t>Se o desempenho no conjunto de validação for significativamente pior do que no conjunto de treinamento, é um sinal de possível sobreajuste.</a:t>
+            </a:r>
+          </a:p>
+          <a:p>
+            <a:endParaRPr lang="pt-BR" dirty="0"/>
+          </a:p>
+          <a:p>
+            <a:endParaRPr lang="pt-BR" b="0" i="0" dirty="0">
+              <a:effectLst/>
+            </a:endParaRPr>
+          </a:p>
+          <a:p>
+            <a:endParaRPr lang="pt-BR" dirty="0"/>
+          </a:p>
+        </p:txBody>
+      </p:sp>
+      <p:pic>
+        <p:nvPicPr>
+          <p:cNvPr id="4098" name="Picture 2">
+            <a:extLst>
+              <a:ext uri="{FF2B5EF4-FFF2-40B4-BE49-F238E27FC236}">
+                <a16:creationId xmlns:a16="http://schemas.microsoft.com/office/drawing/2014/main" id="{6A603EB6-7919-DCC3-AF0A-4ED8580104C1}"/>
+              </a:ext>
+            </a:extLst>
+          </p:cNvPr>
+          <p:cNvPicPr>
+            <a:picLocks noChangeAspect="1" noChangeArrowheads="1"/>
+          </p:cNvPicPr>
+          <p:nvPr/>
+        </p:nvPicPr>
+        <p:blipFill>
+          <a:blip r:embed="rId3">
+            <a:extLst>
+              <a:ext uri="{28A0092B-C50C-407E-A947-70E740481C1C}">
+                <a14:useLocalDpi xmlns:a14="http://schemas.microsoft.com/office/drawing/2010/main" val="0"/>
+              </a:ext>
+            </a:extLst>
+          </a:blip>
+          <a:srcRect/>
+          <a:stretch>
+            <a:fillRect/>
+          </a:stretch>
+        </p:blipFill>
+        <p:spPr bwMode="auto">
+          <a:xfrm>
+            <a:off x="564223" y="2003460"/>
+            <a:ext cx="4367932" cy="3224301"/>
           </a:xfrm>
           <a:prstGeom prst="rect">
             <a:avLst/>
           </a:prstGeom>
+          <a:noFill/>
+          <a:extLst>
+            <a:ext uri="{909E8E84-426E-40DD-AFC4-6F175D3DCCD1}">
+              <a14:hiddenFill xmlns:a14="http://schemas.microsoft.com/office/drawing/2010/main">
+                <a:solidFill>
+                  <a:srgbClr val="FFFFFF"/>
+                </a:solidFill>
+              </a14:hiddenFill>
+            </a:ext>
+          </a:extLst>
         </p:spPr>
-        <p:txBody>
-          <a:bodyPr vert="horz" lIns="91440" tIns="45720" rIns="91440" bIns="45720" rtlCol="0" anchor="ctr">
-            <a:normAutofit/>
+      </p:pic>
+      <p:sp>
+        <p:nvSpPr>
+          <p:cNvPr id="4" name="Rectangle 3">
+            <a:extLst>
+              <a:ext uri="{FF2B5EF4-FFF2-40B4-BE49-F238E27FC236}">
+                <a16:creationId xmlns:a16="http://schemas.microsoft.com/office/drawing/2014/main" id="{EBD2DF02-63AE-3B1E-D5B4-C94647E5DDDF}"/>
+              </a:ext>
+            </a:extLst>
+          </p:cNvPr>
+          <p:cNvSpPr>
+            <a:spLocks noChangeArrowheads="1"/>
+          </p:cNvSpPr>
+          <p:nvPr/>
+        </p:nvSpPr>
+        <p:spPr bwMode="auto">
+          <a:xfrm>
+            <a:off x="1262867" y="5345772"/>
+            <a:ext cx="3812567" cy="615553"/>
+          </a:xfrm>
+          <a:prstGeom prst="rect">
+            <a:avLst/>
+          </a:prstGeom>
+          <a:solidFill>
+            <a:srgbClr val="FFFFFF"/>
+          </a:solidFill>
+          <a:ln>
+            <a:noFill/>
+          </a:ln>
+          <a:effectLst/>
+          <a:extLst>
+            <a:ext uri="{91240B29-F687-4F45-9708-019B960494DF}">
+              <a14:hiddenLine xmlns:a14="http://schemas.microsoft.com/office/drawing/2010/main" w="9525">
+                <a:solidFill>
+                  <a:schemeClr val="tx1"/>
+                </a:solidFill>
+                <a:miter lim="800000"/>
+                <a:headEnd/>
+                <a:tailEnd/>
+              </a14:hiddenLine>
+            </a:ext>
+            <a:ext uri="{AF507438-7753-43E0-B8FC-AC1667EBCBE1}">
+              <a14:hiddenEffects xmlns:a14="http://schemas.microsoft.com/office/drawing/2010/main">
+                <a:effectLst>
+                  <a:outerShdw dist="35921" dir="2700000" algn="ctr" rotWithShape="0">
+                    <a:schemeClr val="bg2"/>
+                  </a:outerShdw>
+                </a:effectLst>
+              </a14:hiddenEffects>
+            </a:ext>
+          </a:extLst>
+        </p:spPr>
+        <p:txBody>
+          <a:bodyPr vert="horz" wrap="square" lIns="0" tIns="0" rIns="0" bIns="0" numCol="1" anchor="ctr" anchorCtr="0" compatLnSpc="1">
+            <a:prstTxWarp prst="textNoShape">
+              <a:avLst/>
+            </a:prstTxWarp>
+            <a:spAutoFit/>
           </a:bodyPr>
-          <a:lstStyle>
-            <a:lvl1pPr algn="l" defTabSz="914400" rtl="0" eaLnBrk="1" latinLnBrk="0" hangingPunct="1">
+          <a:lstStyle/>
+          <a:p>
+            <a:pPr marL="0" marR="0" lvl="0" indent="0" algn="l" defTabSz="914400" rtl="0" eaLnBrk="0" fontAlgn="base" latinLnBrk="0" hangingPunct="0">
               <a:lnSpc>
-                <a:spcPct val="90000"/>
+                <a:spcPct val="100000"/>
               </a:lnSpc>
               <a:spcBef>
                 <a:spcPct val="0"/>
               </a:spcBef>
+              <a:spcAft>
+                <a:spcPct val="0"/>
+              </a:spcAft>
+              <a:buClrTx/>
+              <a:buSzTx/>
+              <a:buFontTx/>
               <a:buNone/>
-              <a:defRPr sz="4400" kern="1200">
+              <a:tabLst/>
+            </a:pPr>
+            <a:r>
+              <a:rPr kumimoji="0" lang="pt-BR" altLang="pt-BR" sz="2000" b="0" i="0" u="none" strike="noStrike" cap="none" normalizeH="0" baseline="0" dirty="0">
+                <a:ln>
+                  <a:noFill/>
+                </a:ln>
+                <a:solidFill>
+                  <a:srgbClr val="000000"/>
+                </a:solidFill>
+                <a:effectLst/>
+              </a:rPr>
+              <a:t>MSE </a:t>
+            </a:r>
+            <a:r>
+              <a:rPr kumimoji="0" lang="pt-BR" altLang="pt-BR" sz="2000" b="0" i="0" u="none" strike="noStrike" cap="none" normalizeH="0" baseline="0" dirty="0" err="1">
+                <a:ln>
+                  <a:noFill/>
+                </a:ln>
+                <a:solidFill>
+                  <a:srgbClr val="000000"/>
+                </a:solidFill>
+                <a:effectLst/>
+              </a:rPr>
+              <a:t>train</a:t>
+            </a:r>
+            <a:r>
+              <a:rPr kumimoji="0" lang="pt-BR" altLang="pt-BR" sz="2000" b="0" i="0" u="none" strike="noStrike" cap="none" normalizeH="0" baseline="0" dirty="0">
+                <a:ln>
+                  <a:noFill/>
+                </a:ln>
+                <a:solidFill>
+                  <a:srgbClr val="000000"/>
+                </a:solidFill>
+                <a:effectLst/>
+              </a:rPr>
+              <a:t>: 3.023264662910588e-24 </a:t>
+            </a:r>
+          </a:p>
+          <a:p>
+            <a:pPr marL="0" marR="0" lvl="0" indent="0" algn="l" defTabSz="914400" rtl="0" eaLnBrk="0" fontAlgn="base" latinLnBrk="0" hangingPunct="0">
+              <a:lnSpc>
+                <a:spcPct val="100000"/>
+              </a:lnSpc>
+              <a:spcBef>
+                <a:spcPct val="0"/>
+              </a:spcBef>
+              <a:spcAft>
+                <a:spcPct val="0"/>
+              </a:spcAft>
+              <a:buClrTx/>
+              <a:buSzTx/>
+              <a:buFontTx/>
+              <a:buNone/>
+              <a:tabLst/>
+            </a:pPr>
+            <a:r>
+              <a:rPr kumimoji="0" lang="pt-BR" altLang="pt-BR" sz="2000" b="0" i="0" u="none" strike="noStrike" cap="none" normalizeH="0" baseline="0" dirty="0">
+                <a:ln>
+                  <a:noFill/>
+                </a:ln>
+                <a:solidFill>
+                  <a:srgbClr val="000000"/>
+                </a:solidFill>
+                <a:effectLst/>
+              </a:rPr>
+              <a:t>MSE </a:t>
+            </a:r>
+            <a:r>
+              <a:rPr kumimoji="0" lang="pt-BR" altLang="pt-BR" sz="2000" b="0" i="0" u="none" strike="noStrike" cap="none" normalizeH="0" baseline="0" dirty="0" err="1">
+                <a:ln>
+                  <a:noFill/>
+                </a:ln>
+                <a:solidFill>
+                  <a:srgbClr val="000000"/>
+                </a:solidFill>
+                <a:effectLst/>
+              </a:rPr>
+              <a:t>val</a:t>
+            </a:r>
+            <a:r>
+              <a:rPr kumimoji="0" lang="pt-BR" altLang="pt-BR" sz="2000" b="0" i="0" u="none" strike="noStrike" cap="none" normalizeH="0" baseline="0" dirty="0">
+                <a:ln>
+                  <a:noFill/>
+                </a:ln>
+                <a:solidFill>
+                  <a:srgbClr val="000000"/>
+                </a:solidFill>
+                <a:effectLst/>
+              </a:rPr>
+              <a:t>: 0.18213360918420743</a:t>
+            </a:r>
+            <a:r>
+              <a:rPr kumimoji="0" lang="pt-BR" altLang="pt-BR" sz="2000" b="0" i="0" u="none" strike="noStrike" cap="none" normalizeH="0" baseline="0" dirty="0">
+                <a:ln>
+                  <a:noFill/>
+                </a:ln>
                 <a:solidFill>
                   <a:schemeClr val="tx1"/>
                 </a:solidFill>
-                <a:latin typeface="+mj-lt"/>
-                <a:ea typeface="+mj-ea"/>
-                <a:cs typeface="+mj-cs"/>
-              </a:defRPr>
-            </a:lvl1pPr>
-          </a:lstStyle>
-          <a:p>
-            <a:pPr algn="ctr"/>
-            <a:r>
-              <a:rPr lang="pt-BR" sz="6600" dirty="0"/>
-              <a:t>Obrigado!</a:t>
-            </a:r>
-            <a:endParaRPr lang="pt-BR" sz="6600" b="1" i="1" dirty="0"/>
+                <a:effectLst/>
+              </a:rPr>
+              <a:t> </a:t>
+            </a:r>
+          </a:p>
+        </p:txBody>
+      </p:sp>
+      <p:sp>
+        <p:nvSpPr>
+          <p:cNvPr id="5" name="CaixaDeTexto 4">
+            <a:extLst>
+              <a:ext uri="{FF2B5EF4-FFF2-40B4-BE49-F238E27FC236}">
+                <a16:creationId xmlns:a16="http://schemas.microsoft.com/office/drawing/2014/main" id="{60CF8BD2-45EB-9A8A-EDA6-C2C4F04E8ACA}"/>
+              </a:ext>
+            </a:extLst>
+          </p:cNvPr>
+          <p:cNvSpPr txBox="1"/>
+          <p:nvPr/>
+        </p:nvSpPr>
+        <p:spPr>
+          <a:xfrm>
+            <a:off x="0" y="6581000"/>
+            <a:ext cx="2777447" cy="276999"/>
+          </a:xfrm>
+          <a:prstGeom prst="rect">
+            <a:avLst/>
+          </a:prstGeom>
+          <a:noFill/>
+        </p:spPr>
+        <p:txBody>
+          <a:bodyPr wrap="square">
+            <a:spAutoFit/>
+          </a:bodyPr>
+          <a:lstStyle/>
+          <a:p>
+            <a:r>
+              <a:rPr lang="pt-BR" sz="1200" dirty="0">
+                <a:hlinkClick r:id="rId4"/>
+              </a:rPr>
+              <a:t>Exemplo: </a:t>
+            </a:r>
+            <a:r>
+              <a:rPr lang="pt-BR" sz="1200" dirty="0" err="1">
+                <a:hlinkClick r:id="rId4"/>
+              </a:rPr>
+              <a:t>Overffiting.ipynb</a:t>
+            </a:r>
+            <a:endParaRPr lang="pt-BR" sz="1200" dirty="0"/>
           </a:p>
         </p:txBody>
       </p:sp>
     </p:spTree>
     <p:extLst>
       <p:ext uri="{BB962C8B-B14F-4D97-AF65-F5344CB8AC3E}">
-        <p14:creationId xmlns:p14="http://schemas.microsoft.com/office/powerpoint/2010/main" val="599145874"/>
+        <p14:creationId xmlns:p14="http://schemas.microsoft.com/office/powerpoint/2010/main" val="3464443897"/>
+      </p:ext>
+    </p:extLst>
+  </p:cSld>
+  <p:clrMapOvr>
+    <a:masterClrMapping/>
+  </p:clrMapOvr>
+</p:sld>
+</file>
+
+<file path=ppt/slides/slide7.xml><?xml version="1.0" encoding="utf-8"?>
+<p:sld xmlns:a="http://schemas.openxmlformats.org/drawingml/2006/main" xmlns:r="http://schemas.openxmlformats.org/officeDocument/2006/relationships" xmlns:p="http://schemas.openxmlformats.org/presentationml/2006/main">
+  <p:cSld>
+    <p:spTree>
+      <p:nvGrpSpPr>
+        <p:cNvPr id="1" name=""/>
+        <p:cNvGrpSpPr/>
+        <p:nvPr/>
+      </p:nvGrpSpPr>
+      <p:grpSpPr>
+        <a:xfrm>
+          <a:off x="0" y="0"/>
+          <a:ext cx="0" cy="0"/>
+          <a:chOff x="0" y="0"/>
+          <a:chExt cx="0" cy="0"/>
+        </a:xfrm>
+      </p:grpSpPr>
+      <p:sp>
+        <p:nvSpPr>
+          <p:cNvPr id="2" name="Título 1">
+            <a:extLst>
+              <a:ext uri="{FF2B5EF4-FFF2-40B4-BE49-F238E27FC236}">
+                <a16:creationId xmlns:a16="http://schemas.microsoft.com/office/drawing/2014/main" id="{F64A88D9-2D97-A5AC-70C5-4C08644355AE}"/>
+              </a:ext>
+            </a:extLst>
+          </p:cNvPr>
+          <p:cNvSpPr>
+            <a:spLocks noGrp="1"/>
+          </p:cNvSpPr>
+          <p:nvPr>
+            <p:ph type="title"/>
+          </p:nvPr>
+        </p:nvSpPr>
+        <p:spPr/>
+        <p:txBody>
+          <a:bodyPr/>
+          <a:lstStyle/>
+          <a:p>
+            <a:r>
+              <a:rPr lang="pt-BR" dirty="0"/>
+              <a:t>Como detectar o sobreajuste</a:t>
+            </a:r>
+          </a:p>
+        </p:txBody>
+      </p:sp>
+      <p:sp>
+        <p:nvSpPr>
+          <p:cNvPr id="3" name="Espaço Reservado para Conteúdo 2">
+            <a:extLst>
+              <a:ext uri="{FF2B5EF4-FFF2-40B4-BE49-F238E27FC236}">
+                <a16:creationId xmlns:a16="http://schemas.microsoft.com/office/drawing/2014/main" id="{E3DFD790-B161-AACA-37D4-2B1B5B84E569}"/>
+              </a:ext>
+            </a:extLst>
+          </p:cNvPr>
+          <p:cNvSpPr>
+            <a:spLocks noGrp="1"/>
+          </p:cNvSpPr>
+          <p:nvPr>
+            <p:ph idx="1"/>
+          </p:nvPr>
+        </p:nvSpPr>
+        <p:spPr>
+          <a:xfrm>
+            <a:off x="5630238" y="1825624"/>
+            <a:ext cx="6359704" cy="5032375"/>
+          </a:xfrm>
+        </p:spPr>
+        <p:txBody>
+          <a:bodyPr>
+            <a:normAutofit/>
+          </a:bodyPr>
+          <a:lstStyle/>
+          <a:p>
+            <a:r>
+              <a:rPr lang="pt-BR" b="1" i="0" dirty="0">
+                <a:effectLst/>
+              </a:rPr>
+              <a:t>Conjunto de Validação: </a:t>
+            </a:r>
+            <a:r>
+              <a:rPr lang="pt-BR" dirty="0"/>
+              <a:t>No caso de modelos com aprendizado iterativo, como redes neurais, podemos</a:t>
+            </a:r>
+            <a:r>
+              <a:rPr lang="pt-BR" b="0" i="0" dirty="0">
+                <a:effectLst/>
+              </a:rPr>
+              <a:t> monitorar o desempenho do modelo em ambos os conjuntos durante o treinamento.</a:t>
+            </a:r>
+          </a:p>
+          <a:p>
+            <a:r>
+              <a:rPr lang="pt-BR" b="0" i="0" dirty="0">
+                <a:effectLst/>
+              </a:rPr>
+              <a:t>Se o erro no conjunto de validação aumentar e no conjunto de treinamento diminuir ao longo das épocas de treinamento, isso é um claro sinal de sobreajuste.</a:t>
+            </a:r>
+          </a:p>
+          <a:p>
+            <a:endParaRPr lang="pt-BR" b="0" i="0" dirty="0">
+              <a:effectLst/>
+            </a:endParaRPr>
+          </a:p>
+          <a:p>
+            <a:endParaRPr lang="pt-BR" b="0" i="0" dirty="0">
+              <a:effectLst/>
+            </a:endParaRPr>
+          </a:p>
+          <a:p>
+            <a:endParaRPr lang="pt-BR" dirty="0"/>
+          </a:p>
+        </p:txBody>
+      </p:sp>
+      <p:pic>
+        <p:nvPicPr>
+          <p:cNvPr id="3074" name="Picture 2">
+            <a:extLst>
+              <a:ext uri="{FF2B5EF4-FFF2-40B4-BE49-F238E27FC236}">
+                <a16:creationId xmlns:a16="http://schemas.microsoft.com/office/drawing/2014/main" id="{C758D526-2A03-121F-CF8F-19DF97588DE1}"/>
+              </a:ext>
+            </a:extLst>
+          </p:cNvPr>
+          <p:cNvPicPr>
+            <a:picLocks noChangeAspect="1" noChangeArrowheads="1"/>
+          </p:cNvPicPr>
+          <p:nvPr/>
+        </p:nvPicPr>
+        <p:blipFill>
+          <a:blip r:embed="rId2">
+            <a:extLst>
+              <a:ext uri="{28A0092B-C50C-407E-A947-70E740481C1C}">
+                <a14:useLocalDpi xmlns:a14="http://schemas.microsoft.com/office/drawing/2010/main" val="0"/>
+              </a:ext>
+            </a:extLst>
+          </a:blip>
+          <a:srcRect/>
+          <a:stretch>
+            <a:fillRect/>
+          </a:stretch>
+        </p:blipFill>
+        <p:spPr bwMode="auto">
+          <a:xfrm>
+            <a:off x="680876" y="2160731"/>
+            <a:ext cx="4333174" cy="3192105"/>
+          </a:xfrm>
+          <a:prstGeom prst="rect">
+            <a:avLst/>
+          </a:prstGeom>
+          <a:noFill/>
+          <a:extLst>
+            <a:ext uri="{909E8E84-426E-40DD-AFC4-6F175D3DCCD1}">
+              <a14:hiddenFill xmlns:a14="http://schemas.microsoft.com/office/drawing/2010/main">
+                <a:solidFill>
+                  <a:srgbClr val="FFFFFF"/>
+                </a:solidFill>
+              </a14:hiddenFill>
+            </a:ext>
+          </a:extLst>
+        </p:spPr>
+      </p:pic>
+      <p:sp>
+        <p:nvSpPr>
+          <p:cNvPr id="4" name="CaixaDeTexto 3">
+            <a:extLst>
+              <a:ext uri="{FF2B5EF4-FFF2-40B4-BE49-F238E27FC236}">
+                <a16:creationId xmlns:a16="http://schemas.microsoft.com/office/drawing/2014/main" id="{824754AF-55B7-A2B5-1F12-A4542DFF6E10}"/>
+              </a:ext>
+            </a:extLst>
+          </p:cNvPr>
+          <p:cNvSpPr txBox="1"/>
+          <p:nvPr/>
+        </p:nvSpPr>
+        <p:spPr>
+          <a:xfrm>
+            <a:off x="4366516" y="5250094"/>
+            <a:ext cx="852755" cy="369332"/>
+          </a:xfrm>
+          <a:prstGeom prst="rect">
+            <a:avLst/>
+          </a:prstGeom>
+          <a:noFill/>
+        </p:spPr>
+        <p:txBody>
+          <a:bodyPr wrap="square" rtlCol="0">
+            <a:spAutoFit/>
+          </a:bodyPr>
+          <a:lstStyle/>
+          <a:p>
+            <a:r>
+              <a:rPr lang="pt-BR" dirty="0"/>
+              <a:t>Épocas</a:t>
+            </a:r>
+          </a:p>
+        </p:txBody>
+      </p:sp>
+      <p:sp>
+        <p:nvSpPr>
+          <p:cNvPr id="5" name="CaixaDeTexto 4">
+            <a:extLst>
+              <a:ext uri="{FF2B5EF4-FFF2-40B4-BE49-F238E27FC236}">
+                <a16:creationId xmlns:a16="http://schemas.microsoft.com/office/drawing/2014/main" id="{D79A02E6-3659-B1D5-1F68-43BB54ADE219}"/>
+              </a:ext>
+            </a:extLst>
+          </p:cNvPr>
+          <p:cNvSpPr txBox="1"/>
+          <p:nvPr/>
+        </p:nvSpPr>
+        <p:spPr>
+          <a:xfrm>
+            <a:off x="547574" y="2063394"/>
+            <a:ext cx="852755" cy="369332"/>
+          </a:xfrm>
+          <a:prstGeom prst="rect">
+            <a:avLst/>
+          </a:prstGeom>
+          <a:solidFill>
+            <a:schemeClr val="bg1"/>
+          </a:solidFill>
+        </p:spPr>
+        <p:txBody>
+          <a:bodyPr wrap="square" rtlCol="0">
+            <a:spAutoFit/>
+          </a:bodyPr>
+          <a:lstStyle/>
+          <a:p>
+            <a:r>
+              <a:rPr lang="pt-BR" dirty="0"/>
+              <a:t>Erro</a:t>
+            </a:r>
+          </a:p>
+        </p:txBody>
+      </p:sp>
+    </p:spTree>
+    <p:extLst>
+      <p:ext uri="{BB962C8B-B14F-4D97-AF65-F5344CB8AC3E}">
+        <p14:creationId xmlns:p14="http://schemas.microsoft.com/office/powerpoint/2010/main" val="2115754792"/>
+      </p:ext>
+    </p:extLst>
+  </p:cSld>
+  <p:clrMapOvr>
+    <a:masterClrMapping/>
+  </p:clrMapOvr>
+</p:sld>
+</file>
+
+<file path=ppt/slides/slide8.xml><?xml version="1.0" encoding="utf-8"?>
+<p:sld xmlns:a="http://schemas.openxmlformats.org/drawingml/2006/main" xmlns:r="http://schemas.openxmlformats.org/officeDocument/2006/relationships" xmlns:p="http://schemas.openxmlformats.org/presentationml/2006/main">
+  <p:cSld>
+    <p:spTree>
+      <p:nvGrpSpPr>
+        <p:cNvPr id="1" name=""/>
+        <p:cNvGrpSpPr/>
+        <p:nvPr/>
+      </p:nvGrpSpPr>
+      <p:grpSpPr>
+        <a:xfrm>
+          <a:off x="0" y="0"/>
+          <a:ext cx="0" cy="0"/>
+          <a:chOff x="0" y="0"/>
+          <a:chExt cx="0" cy="0"/>
+        </a:xfrm>
+      </p:grpSpPr>
+      <p:sp>
+        <p:nvSpPr>
+          <p:cNvPr id="2" name="Título 1">
+            <a:extLst>
+              <a:ext uri="{FF2B5EF4-FFF2-40B4-BE49-F238E27FC236}">
+                <a16:creationId xmlns:a16="http://schemas.microsoft.com/office/drawing/2014/main" id="{F64A88D9-2D97-A5AC-70C5-4C08644355AE}"/>
+              </a:ext>
+            </a:extLst>
+          </p:cNvPr>
+          <p:cNvSpPr>
+            <a:spLocks noGrp="1"/>
+          </p:cNvSpPr>
+          <p:nvPr>
+            <p:ph type="title"/>
+          </p:nvPr>
+        </p:nvSpPr>
+        <p:spPr/>
+        <p:txBody>
+          <a:bodyPr/>
+          <a:lstStyle/>
+          <a:p>
+            <a:r>
+              <a:rPr lang="pt-BR" dirty="0"/>
+              <a:t>Como detectar o sobreajuste</a:t>
+            </a:r>
+          </a:p>
+        </p:txBody>
+      </p:sp>
+      <p:sp>
+        <p:nvSpPr>
+          <p:cNvPr id="3" name="Espaço Reservado para Conteúdo 2">
+            <a:extLst>
+              <a:ext uri="{FF2B5EF4-FFF2-40B4-BE49-F238E27FC236}">
+                <a16:creationId xmlns:a16="http://schemas.microsoft.com/office/drawing/2014/main" id="{E3DFD790-B161-AACA-37D4-2B1B5B84E569}"/>
+              </a:ext>
+            </a:extLst>
+          </p:cNvPr>
+          <p:cNvSpPr>
+            <a:spLocks noGrp="1"/>
+          </p:cNvSpPr>
+          <p:nvPr>
+            <p:ph idx="1"/>
+          </p:nvPr>
+        </p:nvSpPr>
+        <p:spPr>
+          <a:xfrm>
+            <a:off x="5989834" y="1825624"/>
+            <a:ext cx="6000108" cy="5032375"/>
+          </a:xfrm>
+        </p:spPr>
+        <p:txBody>
+          <a:bodyPr>
+            <a:normAutofit/>
+          </a:bodyPr>
+          <a:lstStyle/>
+          <a:p>
+            <a:r>
+              <a:rPr lang="pt-BR" b="1" i="0" dirty="0">
+                <a:effectLst/>
+              </a:rPr>
+              <a:t>Validação cruzada:</a:t>
+            </a:r>
+            <a:r>
+              <a:rPr lang="pt-BR" b="0" i="0" dirty="0">
+                <a:effectLst/>
+              </a:rPr>
+              <a:t> Usar validação cruzada para avaliar o desempenho do modelo em várias divisões de dados de treinamento e validação.</a:t>
+            </a:r>
+          </a:p>
+          <a:p>
+            <a:r>
+              <a:rPr lang="pt-BR" b="0" i="0" dirty="0">
+                <a:effectLst/>
+              </a:rPr>
+              <a:t>Se o modelo mostrar variações significativas no desempenho entre as divisões dos dados, isso pode ser um sinal de sobreajuste.</a:t>
+            </a:r>
+          </a:p>
+          <a:p>
+            <a:r>
+              <a:rPr lang="pt-BR" dirty="0"/>
+              <a:t>Técnicas de validação cruzada que podem ser usadas: </a:t>
+            </a:r>
+            <a:r>
+              <a:rPr lang="pt-BR" i="1" dirty="0"/>
+              <a:t>k-</a:t>
+            </a:r>
+            <a:r>
+              <a:rPr lang="pt-BR" i="1" dirty="0" err="1"/>
+              <a:t>fold</a:t>
+            </a:r>
+            <a:r>
+              <a:rPr lang="pt-BR" dirty="0"/>
+              <a:t>, </a:t>
+            </a:r>
+            <a:r>
+              <a:rPr lang="pt-BR" i="1" dirty="0" err="1"/>
+              <a:t>leave</a:t>
+            </a:r>
+            <a:r>
+              <a:rPr lang="pt-BR" i="1" dirty="0"/>
+              <a:t>-</a:t>
+            </a:r>
+            <a:r>
+              <a:rPr lang="pt-BR" i="1" dirty="0" err="1"/>
+              <a:t>p-out</a:t>
+            </a:r>
+            <a:r>
+              <a:rPr lang="pt-BR" dirty="0"/>
+              <a:t>, </a:t>
+            </a:r>
+            <a:r>
+              <a:rPr lang="pt-BR" i="1" dirty="0" err="1"/>
+              <a:t>holdout</a:t>
+            </a:r>
+            <a:r>
+              <a:rPr lang="pt-BR" dirty="0"/>
+              <a:t>.</a:t>
+            </a:r>
+            <a:endParaRPr lang="pt-BR" b="0" i="0" dirty="0">
+              <a:effectLst/>
+            </a:endParaRPr>
+          </a:p>
+        </p:txBody>
+      </p:sp>
+      <p:pic>
+        <p:nvPicPr>
+          <p:cNvPr id="3076" name="Picture 4">
+            <a:extLst>
+              <a:ext uri="{FF2B5EF4-FFF2-40B4-BE49-F238E27FC236}">
+                <a16:creationId xmlns:a16="http://schemas.microsoft.com/office/drawing/2014/main" id="{23C6D210-29E4-BEC4-2587-5A703B9EA81E}"/>
+              </a:ext>
+            </a:extLst>
+          </p:cNvPr>
+          <p:cNvPicPr>
+            <a:picLocks noChangeAspect="1" noChangeArrowheads="1"/>
+          </p:cNvPicPr>
+          <p:nvPr/>
+        </p:nvPicPr>
+        <p:blipFill rotWithShape="1">
+          <a:blip r:embed="rId3">
+            <a:extLst>
+              <a:ext uri="{28A0092B-C50C-407E-A947-70E740481C1C}">
+                <a14:useLocalDpi xmlns:a14="http://schemas.microsoft.com/office/drawing/2010/main" val="0"/>
+              </a:ext>
+            </a:extLst>
+          </a:blip>
+          <a:srcRect l="5542" t="7613" r="2875"/>
+          <a:stretch/>
+        </p:blipFill>
+        <p:spPr bwMode="auto">
+          <a:xfrm>
+            <a:off x="403622" y="2393877"/>
+            <a:ext cx="5437713" cy="3298005"/>
+          </a:xfrm>
+          <a:prstGeom prst="rect">
+            <a:avLst/>
+          </a:prstGeom>
+          <a:noFill/>
+          <a:extLst>
+            <a:ext uri="{909E8E84-426E-40DD-AFC4-6F175D3DCCD1}">
+              <a14:hiddenFill xmlns:a14="http://schemas.microsoft.com/office/drawing/2010/main">
+                <a:solidFill>
+                  <a:srgbClr val="FFFFFF"/>
+                </a:solidFill>
+              </a14:hiddenFill>
+            </a:ext>
+          </a:extLst>
+        </p:spPr>
+      </p:pic>
+      <p:sp>
+        <p:nvSpPr>
+          <p:cNvPr id="5" name="CaixaDeTexto 4">
+            <a:extLst>
+              <a:ext uri="{FF2B5EF4-FFF2-40B4-BE49-F238E27FC236}">
+                <a16:creationId xmlns:a16="http://schemas.microsoft.com/office/drawing/2014/main" id="{4C98CA81-D5B4-3FB5-6A37-8D8EDAE72660}"/>
+              </a:ext>
+            </a:extLst>
+          </p:cNvPr>
+          <p:cNvSpPr txBox="1"/>
+          <p:nvPr/>
+        </p:nvSpPr>
+        <p:spPr>
+          <a:xfrm>
+            <a:off x="0" y="6581000"/>
+            <a:ext cx="2786865" cy="276999"/>
+          </a:xfrm>
+          <a:prstGeom prst="rect">
+            <a:avLst/>
+          </a:prstGeom>
+          <a:noFill/>
+        </p:spPr>
+        <p:txBody>
+          <a:bodyPr wrap="square">
+            <a:spAutoFit/>
+          </a:bodyPr>
+          <a:lstStyle/>
+          <a:p>
+            <a:r>
+              <a:rPr lang="pt-BR" sz="1200" dirty="0">
+                <a:hlinkClick r:id="rId4"/>
+              </a:rPr>
+              <a:t>Exemplo: </a:t>
+            </a:r>
+            <a:r>
+              <a:rPr lang="pt-BR" sz="1200" dirty="0" err="1">
+                <a:hlinkClick r:id="rId4"/>
+              </a:rPr>
+              <a:t>validacao_cruzada_k_fold.ipynb</a:t>
+            </a:r>
+            <a:endParaRPr lang="pt-BR" sz="1200" dirty="0"/>
+          </a:p>
+        </p:txBody>
+      </p:sp>
+    </p:spTree>
+    <p:extLst>
+      <p:ext uri="{BB962C8B-B14F-4D97-AF65-F5344CB8AC3E}">
+        <p14:creationId xmlns:p14="http://schemas.microsoft.com/office/powerpoint/2010/main" val="4080860441"/>
+      </p:ext>
+    </p:extLst>
+  </p:cSld>
+  <p:clrMapOvr>
+    <a:masterClrMapping/>
+  </p:clrMapOvr>
+</p:sld>
+</file>
+
+<file path=ppt/slides/slide9.xml><?xml version="1.0" encoding="utf-8"?>
+<p:sld xmlns:a="http://schemas.openxmlformats.org/drawingml/2006/main" xmlns:r="http://schemas.openxmlformats.org/officeDocument/2006/relationships" xmlns:p="http://schemas.openxmlformats.org/presentationml/2006/main">
+  <p:cSld>
+    <p:spTree>
+      <p:nvGrpSpPr>
+        <p:cNvPr id="1" name=""/>
+        <p:cNvGrpSpPr/>
+        <p:nvPr/>
+      </p:nvGrpSpPr>
+      <p:grpSpPr>
+        <a:xfrm>
+          <a:off x="0" y="0"/>
+          <a:ext cx="0" cy="0"/>
+          <a:chOff x="0" y="0"/>
+          <a:chExt cx="0" cy="0"/>
+        </a:xfrm>
+      </p:grpSpPr>
+      <p:sp>
+        <p:nvSpPr>
+          <p:cNvPr id="2" name="Título 1">
+            <a:extLst>
+              <a:ext uri="{FF2B5EF4-FFF2-40B4-BE49-F238E27FC236}">
+                <a16:creationId xmlns:a16="http://schemas.microsoft.com/office/drawing/2014/main" id="{CC2D5F9F-A089-BA73-4055-2EB54D07A5C9}"/>
+              </a:ext>
+            </a:extLst>
+          </p:cNvPr>
+          <p:cNvSpPr>
+            <a:spLocks noGrp="1"/>
+          </p:cNvSpPr>
+          <p:nvPr>
+            <p:ph type="title"/>
+          </p:nvPr>
+        </p:nvSpPr>
+        <p:spPr/>
+        <p:txBody>
+          <a:bodyPr/>
+          <a:lstStyle/>
+          <a:p>
+            <a:endParaRPr lang="pt-BR"/>
+          </a:p>
+        </p:txBody>
+      </p:sp>
+      <p:sp>
+        <p:nvSpPr>
+          <p:cNvPr id="3" name="Espaço Reservado para Conteúdo 2">
+            <a:extLst>
+              <a:ext uri="{FF2B5EF4-FFF2-40B4-BE49-F238E27FC236}">
+                <a16:creationId xmlns:a16="http://schemas.microsoft.com/office/drawing/2014/main" id="{D4DCB35F-B12A-B277-7450-FDC64173EEAE}"/>
+              </a:ext>
+            </a:extLst>
+          </p:cNvPr>
+          <p:cNvSpPr>
+            <a:spLocks noGrp="1"/>
+          </p:cNvSpPr>
+          <p:nvPr>
+            <p:ph idx="1"/>
+          </p:nvPr>
+        </p:nvSpPr>
+        <p:spPr/>
+        <p:txBody>
+          <a:bodyPr/>
+          <a:lstStyle/>
+          <a:p>
+            <a:endParaRPr lang="pt-BR"/>
+          </a:p>
+        </p:txBody>
+      </p:sp>
+    </p:spTree>
+    <p:extLst>
+      <p:ext uri="{BB962C8B-B14F-4D97-AF65-F5344CB8AC3E}">
+        <p14:creationId xmlns:p14="http://schemas.microsoft.com/office/powerpoint/2010/main" val="3339531220"/>
       </p:ext>
     </p:extLst>
   </p:cSld>
